--- a/docs/diagrams/UndoRedoNewCommand2StateListDiagram.pptx
+++ b/docs/diagrams/UndoRedoNewCommand2StateListDiagram.pptx
@@ -112,10 +112,6 @@
 </p:presentation>
 </file>
 
-<file path=ppt/revisionInfo.xml><?xml version="1.0" encoding="utf-8"?>
-<p1510:revInfo xmlns:a="http://schemas.openxmlformats.org/drawingml/2006/main" xmlns:r="http://schemas.openxmlformats.org/officeDocument/2006/relationships" xmlns:p1510="http://schemas.microsoft.com/office/powerpoint/2015/10/main"/>
-</file>
-
 <file path=ppt/slideLayouts/slideLayout1.xml><?xml version="1.0" encoding="utf-8"?>
 <p:sldLayout xmlns:a="http://schemas.openxmlformats.org/drawingml/2006/main" xmlns:r="http://schemas.openxmlformats.org/officeDocument/2006/relationships" xmlns:p="http://schemas.openxmlformats.org/presentationml/2006/main" type="title" preserve="1">
   <p:cSld name="Title Slide">
@@ -265,7 +261,7 @@
           <a:p>
             <a:fld id="{03EC4E3E-8101-482F-A883-8B55DAFF7C07}" type="datetimeFigureOut">
               <a:rPr lang="en-SG" smtClean="0"/>
-              <a:t>6/7/2018</a:t>
+              <a:t>28/9/18</a:t>
             </a:fld>
             <a:endParaRPr lang="en-SG"/>
           </a:p>
@@ -465,7 +461,7 @@
           <a:p>
             <a:fld id="{03EC4E3E-8101-482F-A883-8B55DAFF7C07}" type="datetimeFigureOut">
               <a:rPr lang="en-SG" smtClean="0"/>
-              <a:t>6/7/2018</a:t>
+              <a:t>28/9/18</a:t>
             </a:fld>
             <a:endParaRPr lang="en-SG"/>
           </a:p>
@@ -675,7 +671,7 @@
           <a:p>
             <a:fld id="{03EC4E3E-8101-482F-A883-8B55DAFF7C07}" type="datetimeFigureOut">
               <a:rPr lang="en-SG" smtClean="0"/>
-              <a:t>6/7/2018</a:t>
+              <a:t>28/9/18</a:t>
             </a:fld>
             <a:endParaRPr lang="en-SG"/>
           </a:p>
@@ -875,7 +871,7 @@
           <a:p>
             <a:fld id="{03EC4E3E-8101-482F-A883-8B55DAFF7C07}" type="datetimeFigureOut">
               <a:rPr lang="en-SG" smtClean="0"/>
-              <a:t>6/7/2018</a:t>
+              <a:t>28/9/18</a:t>
             </a:fld>
             <a:endParaRPr lang="en-SG"/>
           </a:p>
@@ -1151,7 +1147,7 @@
           <a:p>
             <a:fld id="{03EC4E3E-8101-482F-A883-8B55DAFF7C07}" type="datetimeFigureOut">
               <a:rPr lang="en-SG" smtClean="0"/>
-              <a:t>6/7/2018</a:t>
+              <a:t>28/9/18</a:t>
             </a:fld>
             <a:endParaRPr lang="en-SG"/>
           </a:p>
@@ -1419,7 +1415,7 @@
           <a:p>
             <a:fld id="{03EC4E3E-8101-482F-A883-8B55DAFF7C07}" type="datetimeFigureOut">
               <a:rPr lang="en-SG" smtClean="0"/>
-              <a:t>6/7/2018</a:t>
+              <a:t>28/9/18</a:t>
             </a:fld>
             <a:endParaRPr lang="en-SG"/>
           </a:p>
@@ -1834,7 +1830,7 @@
           <a:p>
             <a:fld id="{03EC4E3E-8101-482F-A883-8B55DAFF7C07}" type="datetimeFigureOut">
               <a:rPr lang="en-SG" smtClean="0"/>
-              <a:t>6/7/2018</a:t>
+              <a:t>28/9/18</a:t>
             </a:fld>
             <a:endParaRPr lang="en-SG"/>
           </a:p>
@@ -1976,7 +1972,7 @@
           <a:p>
             <a:fld id="{03EC4E3E-8101-482F-A883-8B55DAFF7C07}" type="datetimeFigureOut">
               <a:rPr lang="en-SG" smtClean="0"/>
-              <a:t>6/7/2018</a:t>
+              <a:t>28/9/18</a:t>
             </a:fld>
             <a:endParaRPr lang="en-SG"/>
           </a:p>
@@ -2089,7 +2085,7 @@
           <a:p>
             <a:fld id="{03EC4E3E-8101-482F-A883-8B55DAFF7C07}" type="datetimeFigureOut">
               <a:rPr lang="en-SG" smtClean="0"/>
-              <a:t>6/7/2018</a:t>
+              <a:t>28/9/18</a:t>
             </a:fld>
             <a:endParaRPr lang="en-SG"/>
           </a:p>
@@ -2402,7 +2398,7 @@
           <a:p>
             <a:fld id="{03EC4E3E-8101-482F-A883-8B55DAFF7C07}" type="datetimeFigureOut">
               <a:rPr lang="en-SG" smtClean="0"/>
-              <a:t>6/7/2018</a:t>
+              <a:t>28/9/18</a:t>
             </a:fld>
             <a:endParaRPr lang="en-SG"/>
           </a:p>
@@ -2691,7 +2687,7 @@
           <a:p>
             <a:fld id="{03EC4E3E-8101-482F-A883-8B55DAFF7C07}" type="datetimeFigureOut">
               <a:rPr lang="en-SG" smtClean="0"/>
-              <a:t>6/7/2018</a:t>
+              <a:t>28/9/18</a:t>
             </a:fld>
             <a:endParaRPr lang="en-SG"/>
           </a:p>
@@ -2934,7 +2930,7 @@
           <a:p>
             <a:fld id="{03EC4E3E-8101-482F-A883-8B55DAFF7C07}" type="datetimeFigureOut">
               <a:rPr lang="en-SG" smtClean="0"/>
-              <a:t>6/7/2018</a:t>
+              <a:t>28/9/18</a:t>
             </a:fld>
             <a:endParaRPr lang="en-SG"/>
           </a:p>
@@ -3360,7 +3356,7 @@
         <p:spPr>
           <a:xfrm>
             <a:off x="5129284" y="2264095"/>
-            <a:ext cx="1933431" cy="1383977"/>
+            <a:ext cx="3568667" cy="1383977"/>
           </a:xfrm>
           <a:prstGeom prst="downArrow">
             <a:avLst/>
@@ -3388,8 +3384,47 @@
           <a:p>
             <a:pPr algn="ctr"/>
             <a:r>
+              <a:rPr lang="en-US" altLang="zh-CN" dirty="0"/>
+              <a:t>Reply</a:t>
+            </a:r>
+          </a:p>
+          <a:p>
+            <a:pPr algn="ctr"/>
+            <a:r>
               <a:rPr lang="en-SG" dirty="0"/>
-              <a:t>Add n/David… </a:t>
+              <a:t> </a:t>
+            </a:r>
+            <a:r>
+              <a:rPr lang="en-US" altLang="zh-CN" dirty="0"/>
+              <a:t>m</a:t>
+            </a:r>
+            <a:r>
+              <a:rPr lang="en-SG" dirty="0"/>
+              <a:t>/</a:t>
+            </a:r>
+            <a:r>
+              <a:rPr lang="en-US" altLang="zh-CN" dirty="0"/>
+              <a:t>CS2113</a:t>
+            </a:r>
+            <a:r>
+              <a:rPr lang="zh-CN" altLang="en-US" dirty="0"/>
+              <a:t> </a:t>
+            </a:r>
+            <a:r>
+              <a:rPr lang="en-US" altLang="zh-CN" dirty="0" err="1"/>
+              <a:t>i</a:t>
+            </a:r>
+            <a:r>
+              <a:rPr lang="en-US" altLang="zh-CN" dirty="0"/>
+              <a:t>/1</a:t>
+            </a:r>
+            <a:r>
+              <a:rPr lang="zh-CN" altLang="en-US" dirty="0"/>
+              <a:t> </a:t>
+            </a:r>
+            <a:r>
+              <a:rPr lang="en-SG" dirty="0"/>
+              <a:t>… </a:t>
             </a:r>
             <a:endParaRPr lang="en-US" dirty="0"/>
           </a:p>
@@ -3454,7 +3489,7 @@
           <p:nvPr>
             <p:extLst>
               <p:ext uri="{D42A27DB-BD31-4B8C-83A1-F6EECF244321}">
-                <p14:modId xmlns:p14="http://schemas.microsoft.com/office/powerpoint/2010/main" val="3571951523"/>
+                <p14:modId xmlns:p14="http://schemas.microsoft.com/office/powerpoint/2010/main" val="2655902556"/>
               </p:ext>
             </p:extLst>
           </p:nvPr>
@@ -3484,13 +3519,22 @@
                     <a:bodyPr/>
                     <a:lstStyle/>
                     <a:p>
+                      <a:pPr algn="r"/>
+                      <a:r>
+                        <a:rPr lang="en-US" altLang="zh-CN" u="sng" dirty="0"/>
+                        <a:t>f</a:t>
+                      </a:r>
                       <a:r>
                         <a:rPr lang="en-SG" u="sng" dirty="0"/>
-                        <a:t>ab0:A</a:t>
+                        <a:t>b0:</a:t>
+                      </a:r>
+                      <a:r>
+                        <a:rPr lang="en-US" altLang="zh-CN" u="sng" dirty="0"/>
+                        <a:t>Forum</a:t>
                       </a:r>
                       <a:r>
                         <a:rPr lang="en-SG" sz="1800" u="sng" dirty="0"/>
-                        <a:t>ddressBook</a:t>
+                        <a:t>Book</a:t>
                       </a:r>
                       <a:endParaRPr lang="en-SG" sz="1600" u="sng" dirty="0"/>
                     </a:p>
@@ -3658,7 +3702,7 @@
           <p:nvPr>
             <p:extLst>
               <p:ext uri="{D42A27DB-BD31-4B8C-83A1-F6EECF244321}">
-                <p14:modId xmlns:p14="http://schemas.microsoft.com/office/powerpoint/2010/main" val="2341913009"/>
+                <p14:modId xmlns:p14="http://schemas.microsoft.com/office/powerpoint/2010/main" val="1406144993"/>
               </p:ext>
             </p:extLst>
           </p:nvPr>
@@ -3689,12 +3733,20 @@
                     <a:lstStyle/>
                     <a:p>
                       <a:r>
+                        <a:rPr lang="en-US" altLang="zh-CN" u="sng" dirty="0"/>
+                        <a:t>f</a:t>
+                      </a:r>
+                      <a:r>
                         <a:rPr lang="en-SG" u="sng" dirty="0"/>
-                        <a:t>ab1:A</a:t>
+                        <a:t>b1:</a:t>
+                      </a:r>
+                      <a:r>
+                        <a:rPr lang="en-US" altLang="zh-CN" u="sng" dirty="0"/>
+                        <a:t>Forum</a:t>
                       </a:r>
                       <a:r>
                         <a:rPr lang="en-SG" sz="1800" u="sng" dirty="0"/>
-                        <a:t>ddressBook</a:t>
+                        <a:t>Book</a:t>
                       </a:r>
                       <a:endParaRPr lang="en-SG" sz="1600" u="sng" dirty="0"/>
                     </a:p>
@@ -3726,7 +3778,7 @@
           <p:nvPr>
             <p:extLst>
               <p:ext uri="{D42A27DB-BD31-4B8C-83A1-F6EECF244321}">
-                <p14:modId xmlns:p14="http://schemas.microsoft.com/office/powerpoint/2010/main" val="2172716932"/>
+                <p14:modId xmlns:p14="http://schemas.microsoft.com/office/powerpoint/2010/main" val="3212312292"/>
               </p:ext>
             </p:extLst>
           </p:nvPr>
@@ -3757,12 +3809,20 @@
                     <a:lstStyle/>
                     <a:p>
                       <a:r>
-                        <a:rPr lang="en-SG" u="sng"/>
-                        <a:t>ab2:A</a:t>
+                        <a:rPr lang="en-US" altLang="zh-CN" u="sng" dirty="0"/>
+                        <a:t>f</a:t>
                       </a:r>
                       <a:r>
-                        <a:rPr lang="en-SG" sz="1800" u="sng"/>
-                        <a:t>ddressBook</a:t>
+                        <a:rPr lang="en-SG" u="sng" dirty="0"/>
+                        <a:t>b2:</a:t>
+                      </a:r>
+                      <a:r>
+                        <a:rPr lang="en-US" altLang="zh-CN" u="sng" dirty="0"/>
+                        <a:t>Forum</a:t>
+                      </a:r>
+                      <a:r>
+                        <a:rPr lang="en-SG" sz="1800" u="sng" dirty="0"/>
+                        <a:t>Book</a:t>
                       </a:r>
                       <a:endParaRPr lang="en-SG" sz="1600" u="sng" dirty="0"/>
                     </a:p>
@@ -3794,7 +3854,7 @@
           <p:nvPr>
             <p:extLst>
               <p:ext uri="{D42A27DB-BD31-4B8C-83A1-F6EECF244321}">
-                <p14:modId xmlns:p14="http://schemas.microsoft.com/office/powerpoint/2010/main" val="4094059841"/>
+                <p14:modId xmlns:p14="http://schemas.microsoft.com/office/powerpoint/2010/main" val="3572873532"/>
               </p:ext>
             </p:extLst>
           </p:nvPr>
@@ -3825,12 +3885,20 @@
                     <a:lstStyle/>
                     <a:p>
                       <a:r>
+                        <a:rPr lang="en-US" altLang="zh-CN" u="sng" dirty="0"/>
+                        <a:t>f</a:t>
+                      </a:r>
+                      <a:r>
                         <a:rPr lang="en-SG" u="sng" dirty="0"/>
-                        <a:t>ab1:A</a:t>
+                        <a:t>b1:</a:t>
+                      </a:r>
+                      <a:r>
+                        <a:rPr lang="en-US" altLang="zh-CN" u="sng" dirty="0"/>
+                        <a:t>Forum</a:t>
                       </a:r>
                       <a:r>
                         <a:rPr lang="en-SG" sz="1800" u="sng" dirty="0"/>
-                        <a:t>ddressBook</a:t>
+                        <a:t>Book</a:t>
                       </a:r>
                       <a:endParaRPr lang="en-SG" sz="1600" u="sng" dirty="0"/>
                     </a:p>
@@ -3862,7 +3930,7 @@
           <p:nvPr>
             <p:extLst>
               <p:ext uri="{D42A27DB-BD31-4B8C-83A1-F6EECF244321}">
-                <p14:modId xmlns:p14="http://schemas.microsoft.com/office/powerpoint/2010/main" val="3467820198"/>
+                <p14:modId xmlns:p14="http://schemas.microsoft.com/office/powerpoint/2010/main" val="2865601928"/>
               </p:ext>
             </p:extLst>
           </p:nvPr>
@@ -3893,12 +3961,20 @@
                     <a:lstStyle/>
                     <a:p>
                       <a:r>
+                        <a:rPr lang="en-US" altLang="zh-CN" u="sng" dirty="0"/>
+                        <a:t>f</a:t>
+                      </a:r>
+                      <a:r>
                         <a:rPr lang="en-SG" u="sng" dirty="0"/>
-                        <a:t>ab0:A</a:t>
+                        <a:t>b0:</a:t>
+                      </a:r>
+                      <a:r>
+                        <a:rPr lang="en-US" altLang="zh-CN" u="sng" dirty="0"/>
+                        <a:t>Forum</a:t>
                       </a:r>
                       <a:r>
                         <a:rPr lang="en-SG" sz="1800" u="sng" dirty="0"/>
-                        <a:t>ddressBook</a:t>
+                        <a:t>Book</a:t>
                       </a:r>
                       <a:endParaRPr lang="en-SG" sz="1600" u="sng" dirty="0"/>
                     </a:p>

--- a/docs/diagrams/UndoRedoNewCommand2StateListDiagram.pptx
+++ b/docs/diagrams/UndoRedoNewCommand2StateListDiagram.pptx
@@ -112,10 +112,6 @@
 </p:presentation>
 </file>
 
-<file path=ppt/revisionInfo.xml><?xml version="1.0" encoding="utf-8"?>
-<p1510:revInfo xmlns:a="http://schemas.openxmlformats.org/drawingml/2006/main" xmlns:r="http://schemas.openxmlformats.org/officeDocument/2006/relationships" xmlns:p1510="http://schemas.microsoft.com/office/powerpoint/2015/10/main"/>
-</file>
-
 <file path=ppt/slideLayouts/slideLayout1.xml><?xml version="1.0" encoding="utf-8"?>
 <p:sldLayout xmlns:a="http://schemas.openxmlformats.org/drawingml/2006/main" xmlns:r="http://schemas.openxmlformats.org/officeDocument/2006/relationships" xmlns:p="http://schemas.openxmlformats.org/presentationml/2006/main" type="title" preserve="1">
   <p:cSld name="Title Slide">
@@ -265,7 +261,7 @@
           <a:p>
             <a:fld id="{03EC4E3E-8101-482F-A883-8B55DAFF7C07}" type="datetimeFigureOut">
               <a:rPr lang="en-SG" smtClean="0"/>
-              <a:t>6/7/2018</a:t>
+              <a:t>21/10/2018</a:t>
             </a:fld>
             <a:endParaRPr lang="en-SG"/>
           </a:p>
@@ -465,7 +461,7 @@
           <a:p>
             <a:fld id="{03EC4E3E-8101-482F-A883-8B55DAFF7C07}" type="datetimeFigureOut">
               <a:rPr lang="en-SG" smtClean="0"/>
-              <a:t>6/7/2018</a:t>
+              <a:t>21/10/2018</a:t>
             </a:fld>
             <a:endParaRPr lang="en-SG"/>
           </a:p>
@@ -675,7 +671,7 @@
           <a:p>
             <a:fld id="{03EC4E3E-8101-482F-A883-8B55DAFF7C07}" type="datetimeFigureOut">
               <a:rPr lang="en-SG" smtClean="0"/>
-              <a:t>6/7/2018</a:t>
+              <a:t>21/10/2018</a:t>
             </a:fld>
             <a:endParaRPr lang="en-SG"/>
           </a:p>
@@ -875,7 +871,7 @@
           <a:p>
             <a:fld id="{03EC4E3E-8101-482F-A883-8B55DAFF7C07}" type="datetimeFigureOut">
               <a:rPr lang="en-SG" smtClean="0"/>
-              <a:t>6/7/2018</a:t>
+              <a:t>21/10/2018</a:t>
             </a:fld>
             <a:endParaRPr lang="en-SG"/>
           </a:p>
@@ -1151,7 +1147,7 @@
           <a:p>
             <a:fld id="{03EC4E3E-8101-482F-A883-8B55DAFF7C07}" type="datetimeFigureOut">
               <a:rPr lang="en-SG" smtClean="0"/>
-              <a:t>6/7/2018</a:t>
+              <a:t>21/10/2018</a:t>
             </a:fld>
             <a:endParaRPr lang="en-SG"/>
           </a:p>
@@ -1419,7 +1415,7 @@
           <a:p>
             <a:fld id="{03EC4E3E-8101-482F-A883-8B55DAFF7C07}" type="datetimeFigureOut">
               <a:rPr lang="en-SG" smtClean="0"/>
-              <a:t>6/7/2018</a:t>
+              <a:t>21/10/2018</a:t>
             </a:fld>
             <a:endParaRPr lang="en-SG"/>
           </a:p>
@@ -1834,7 +1830,7 @@
           <a:p>
             <a:fld id="{03EC4E3E-8101-482F-A883-8B55DAFF7C07}" type="datetimeFigureOut">
               <a:rPr lang="en-SG" smtClean="0"/>
-              <a:t>6/7/2018</a:t>
+              <a:t>21/10/2018</a:t>
             </a:fld>
             <a:endParaRPr lang="en-SG"/>
           </a:p>
@@ -1976,7 +1972,7 @@
           <a:p>
             <a:fld id="{03EC4E3E-8101-482F-A883-8B55DAFF7C07}" type="datetimeFigureOut">
               <a:rPr lang="en-SG" smtClean="0"/>
-              <a:t>6/7/2018</a:t>
+              <a:t>21/10/2018</a:t>
             </a:fld>
             <a:endParaRPr lang="en-SG"/>
           </a:p>
@@ -2089,7 +2085,7 @@
           <a:p>
             <a:fld id="{03EC4E3E-8101-482F-A883-8B55DAFF7C07}" type="datetimeFigureOut">
               <a:rPr lang="en-SG" smtClean="0"/>
-              <a:t>6/7/2018</a:t>
+              <a:t>21/10/2018</a:t>
             </a:fld>
             <a:endParaRPr lang="en-SG"/>
           </a:p>
@@ -2402,7 +2398,7 @@
           <a:p>
             <a:fld id="{03EC4E3E-8101-482F-A883-8B55DAFF7C07}" type="datetimeFigureOut">
               <a:rPr lang="en-SG" smtClean="0"/>
-              <a:t>6/7/2018</a:t>
+              <a:t>21/10/2018</a:t>
             </a:fld>
             <a:endParaRPr lang="en-SG"/>
           </a:p>
@@ -2691,7 +2687,7 @@
           <a:p>
             <a:fld id="{03EC4E3E-8101-482F-A883-8B55DAFF7C07}" type="datetimeFigureOut">
               <a:rPr lang="en-SG" smtClean="0"/>
-              <a:t>6/7/2018</a:t>
+              <a:t>21/10/2018</a:t>
             </a:fld>
             <a:endParaRPr lang="en-SG"/>
           </a:p>
@@ -2934,7 +2930,7 @@
           <a:p>
             <a:fld id="{03EC4E3E-8101-482F-A883-8B55DAFF7C07}" type="datetimeFigureOut">
               <a:rPr lang="en-SG" smtClean="0"/>
-              <a:t>6/7/2018</a:t>
+              <a:t>21/10/2018</a:t>
             </a:fld>
             <a:endParaRPr lang="en-SG"/>
           </a:p>
@@ -3360,7 +3356,7 @@
         <p:spPr>
           <a:xfrm>
             <a:off x="5129284" y="2264095"/>
-            <a:ext cx="1933431" cy="1383977"/>
+            <a:ext cx="2487571" cy="1383977"/>
           </a:xfrm>
           <a:prstGeom prst="downArrow">
             <a:avLst/>
@@ -3389,7 +3385,7 @@
             <a:pPr algn="ctr"/>
             <a:r>
               <a:rPr lang="en-SG" dirty="0"/>
-              <a:t>Add n/David… </a:t>
+              <a:t>Add t/Do Math homework… </a:t>
             </a:r>
             <a:endParaRPr lang="en-US" dirty="0"/>
           </a:p>
@@ -3454,7 +3450,7 @@
           <p:nvPr>
             <p:extLst>
               <p:ext uri="{D42A27DB-BD31-4B8C-83A1-F6EECF244321}">
-                <p14:modId xmlns:p14="http://schemas.microsoft.com/office/powerpoint/2010/main" val="3571951523"/>
+                <p14:modId xmlns:p14="http://schemas.microsoft.com/office/powerpoint/2010/main" val="3137413036"/>
               </p:ext>
             </p:extLst>
           </p:nvPr>
@@ -3486,11 +3482,11 @@
                     <a:p>
                       <a:r>
                         <a:rPr lang="en-SG" u="sng" dirty="0"/>
-                        <a:t>ab0:A</a:t>
+                        <a:t>ab0:Task</a:t>
                       </a:r>
                       <a:r>
                         <a:rPr lang="en-SG" sz="1800" u="sng" dirty="0"/>
-                        <a:t>ddressBook</a:t>
+                        <a:t>Book</a:t>
                       </a:r>
                       <a:endParaRPr lang="en-SG" sz="1600" u="sng" dirty="0"/>
                     </a:p>
@@ -3658,7 +3654,7 @@
           <p:nvPr>
             <p:extLst>
               <p:ext uri="{D42A27DB-BD31-4B8C-83A1-F6EECF244321}">
-                <p14:modId xmlns:p14="http://schemas.microsoft.com/office/powerpoint/2010/main" val="2341913009"/>
+                <p14:modId xmlns:p14="http://schemas.microsoft.com/office/powerpoint/2010/main" val="3217160762"/>
               </p:ext>
             </p:extLst>
           </p:nvPr>
@@ -3690,11 +3686,11 @@
                     <a:p>
                       <a:r>
                         <a:rPr lang="en-SG" u="sng" dirty="0"/>
-                        <a:t>ab1:A</a:t>
+                        <a:t>ab1:Task</a:t>
                       </a:r>
                       <a:r>
                         <a:rPr lang="en-SG" sz="1800" u="sng" dirty="0"/>
-                        <a:t>ddressBook</a:t>
+                        <a:t>Book</a:t>
                       </a:r>
                       <a:endParaRPr lang="en-SG" sz="1600" u="sng" dirty="0"/>
                     </a:p>
@@ -3726,7 +3722,7 @@
           <p:nvPr>
             <p:extLst>
               <p:ext uri="{D42A27DB-BD31-4B8C-83A1-F6EECF244321}">
-                <p14:modId xmlns:p14="http://schemas.microsoft.com/office/powerpoint/2010/main" val="2172716932"/>
+                <p14:modId xmlns:p14="http://schemas.microsoft.com/office/powerpoint/2010/main" val="1483218132"/>
               </p:ext>
             </p:extLst>
           </p:nvPr>
@@ -3757,12 +3753,12 @@
                     <a:lstStyle/>
                     <a:p>
                       <a:r>
-                        <a:rPr lang="en-SG" u="sng"/>
-                        <a:t>ab2:A</a:t>
+                        <a:rPr lang="en-SG" u="sng" dirty="0"/>
+                        <a:t>ab2:Task</a:t>
                       </a:r>
                       <a:r>
-                        <a:rPr lang="en-SG" sz="1800" u="sng"/>
-                        <a:t>ddressBook</a:t>
+                        <a:rPr lang="en-SG" sz="1800" u="sng" dirty="0"/>
+                        <a:t>Book</a:t>
                       </a:r>
                       <a:endParaRPr lang="en-SG" sz="1600" u="sng" dirty="0"/>
                     </a:p>
@@ -3794,7 +3790,7 @@
           <p:nvPr>
             <p:extLst>
               <p:ext uri="{D42A27DB-BD31-4B8C-83A1-F6EECF244321}">
-                <p14:modId xmlns:p14="http://schemas.microsoft.com/office/powerpoint/2010/main" val="4094059841"/>
+                <p14:modId xmlns:p14="http://schemas.microsoft.com/office/powerpoint/2010/main" val="1113296786"/>
               </p:ext>
             </p:extLst>
           </p:nvPr>
@@ -3826,11 +3822,11 @@
                     <a:p>
                       <a:r>
                         <a:rPr lang="en-SG" u="sng" dirty="0"/>
-                        <a:t>ab1:A</a:t>
+                        <a:t>ab1:Task</a:t>
                       </a:r>
                       <a:r>
                         <a:rPr lang="en-SG" sz="1800" u="sng" dirty="0"/>
-                        <a:t>ddressBook</a:t>
+                        <a:t>Book</a:t>
                       </a:r>
                       <a:endParaRPr lang="en-SG" sz="1600" u="sng" dirty="0"/>
                     </a:p>
@@ -3862,7 +3858,7 @@
           <p:nvPr>
             <p:extLst>
               <p:ext uri="{D42A27DB-BD31-4B8C-83A1-F6EECF244321}">
-                <p14:modId xmlns:p14="http://schemas.microsoft.com/office/powerpoint/2010/main" val="3467820198"/>
+                <p14:modId xmlns:p14="http://schemas.microsoft.com/office/powerpoint/2010/main" val="2148985043"/>
               </p:ext>
             </p:extLst>
           </p:nvPr>
@@ -3894,11 +3890,11 @@
                     <a:p>
                       <a:r>
                         <a:rPr lang="en-SG" u="sng" dirty="0"/>
-                        <a:t>ab0:A</a:t>
+                        <a:t>ab0:Task</a:t>
                       </a:r>
                       <a:r>
                         <a:rPr lang="en-SG" sz="1800" u="sng" dirty="0"/>
-                        <a:t>ddressBook</a:t>
+                        <a:t>Book</a:t>
                       </a:r>
                       <a:endParaRPr lang="en-SG" sz="1600" u="sng" dirty="0"/>
                     </a:p>

--- a/docs/diagrams/UndoRedoNewCommand2StateListDiagram.pptx
+++ b/docs/diagrams/UndoRedoNewCommand2StateListDiagram.pptx
@@ -112,10 +112,6 @@
 </p:presentation>
 </file>
 
-<file path=ppt/revisionInfo.xml><?xml version="1.0" encoding="utf-8"?>
-<p1510:revInfo xmlns:a="http://schemas.openxmlformats.org/drawingml/2006/main" xmlns:r="http://schemas.openxmlformats.org/officeDocument/2006/relationships" xmlns:p1510="http://schemas.microsoft.com/office/powerpoint/2015/10/main"/>
-</file>
-
 <file path=ppt/slideLayouts/slideLayout1.xml><?xml version="1.0" encoding="utf-8"?>
 <p:sldLayout xmlns:a="http://schemas.openxmlformats.org/drawingml/2006/main" xmlns:r="http://schemas.openxmlformats.org/officeDocument/2006/relationships" xmlns:p="http://schemas.openxmlformats.org/presentationml/2006/main" type="title" preserve="1">
   <p:cSld name="Title Slide">
@@ -265,7 +261,7 @@
           <a:p>
             <a:fld id="{03EC4E3E-8101-482F-A883-8B55DAFF7C07}" type="datetimeFigureOut">
               <a:rPr lang="en-SG" smtClean="0"/>
-              <a:t>6/7/2018</a:t>
+              <a:t>2/11/18</a:t>
             </a:fld>
             <a:endParaRPr lang="en-SG"/>
           </a:p>
@@ -465,7 +461,7 @@
           <a:p>
             <a:fld id="{03EC4E3E-8101-482F-A883-8B55DAFF7C07}" type="datetimeFigureOut">
               <a:rPr lang="en-SG" smtClean="0"/>
-              <a:t>6/7/2018</a:t>
+              <a:t>2/11/18</a:t>
             </a:fld>
             <a:endParaRPr lang="en-SG"/>
           </a:p>
@@ -675,7 +671,7 @@
           <a:p>
             <a:fld id="{03EC4E3E-8101-482F-A883-8B55DAFF7C07}" type="datetimeFigureOut">
               <a:rPr lang="en-SG" smtClean="0"/>
-              <a:t>6/7/2018</a:t>
+              <a:t>2/11/18</a:t>
             </a:fld>
             <a:endParaRPr lang="en-SG"/>
           </a:p>
@@ -875,7 +871,7 @@
           <a:p>
             <a:fld id="{03EC4E3E-8101-482F-A883-8B55DAFF7C07}" type="datetimeFigureOut">
               <a:rPr lang="en-SG" smtClean="0"/>
-              <a:t>6/7/2018</a:t>
+              <a:t>2/11/18</a:t>
             </a:fld>
             <a:endParaRPr lang="en-SG"/>
           </a:p>
@@ -1151,7 +1147,7 @@
           <a:p>
             <a:fld id="{03EC4E3E-8101-482F-A883-8B55DAFF7C07}" type="datetimeFigureOut">
               <a:rPr lang="en-SG" smtClean="0"/>
-              <a:t>6/7/2018</a:t>
+              <a:t>2/11/18</a:t>
             </a:fld>
             <a:endParaRPr lang="en-SG"/>
           </a:p>
@@ -1419,7 +1415,7 @@
           <a:p>
             <a:fld id="{03EC4E3E-8101-482F-A883-8B55DAFF7C07}" type="datetimeFigureOut">
               <a:rPr lang="en-SG" smtClean="0"/>
-              <a:t>6/7/2018</a:t>
+              <a:t>2/11/18</a:t>
             </a:fld>
             <a:endParaRPr lang="en-SG"/>
           </a:p>
@@ -1834,7 +1830,7 @@
           <a:p>
             <a:fld id="{03EC4E3E-8101-482F-A883-8B55DAFF7C07}" type="datetimeFigureOut">
               <a:rPr lang="en-SG" smtClean="0"/>
-              <a:t>6/7/2018</a:t>
+              <a:t>2/11/18</a:t>
             </a:fld>
             <a:endParaRPr lang="en-SG"/>
           </a:p>
@@ -1976,7 +1972,7 @@
           <a:p>
             <a:fld id="{03EC4E3E-8101-482F-A883-8B55DAFF7C07}" type="datetimeFigureOut">
               <a:rPr lang="en-SG" smtClean="0"/>
-              <a:t>6/7/2018</a:t>
+              <a:t>2/11/18</a:t>
             </a:fld>
             <a:endParaRPr lang="en-SG"/>
           </a:p>
@@ -2089,7 +2085,7 @@
           <a:p>
             <a:fld id="{03EC4E3E-8101-482F-A883-8B55DAFF7C07}" type="datetimeFigureOut">
               <a:rPr lang="en-SG" smtClean="0"/>
-              <a:t>6/7/2018</a:t>
+              <a:t>2/11/18</a:t>
             </a:fld>
             <a:endParaRPr lang="en-SG"/>
           </a:p>
@@ -2402,7 +2398,7 @@
           <a:p>
             <a:fld id="{03EC4E3E-8101-482F-A883-8B55DAFF7C07}" type="datetimeFigureOut">
               <a:rPr lang="en-SG" smtClean="0"/>
-              <a:t>6/7/2018</a:t>
+              <a:t>2/11/18</a:t>
             </a:fld>
             <a:endParaRPr lang="en-SG"/>
           </a:p>
@@ -2691,7 +2687,7 @@
           <a:p>
             <a:fld id="{03EC4E3E-8101-482F-A883-8B55DAFF7C07}" type="datetimeFigureOut">
               <a:rPr lang="en-SG" smtClean="0"/>
-              <a:t>6/7/2018</a:t>
+              <a:t>2/11/18</a:t>
             </a:fld>
             <a:endParaRPr lang="en-SG"/>
           </a:p>
@@ -2934,7 +2930,7 @@
           <a:p>
             <a:fld id="{03EC4E3E-8101-482F-A883-8B55DAFF7C07}" type="datetimeFigureOut">
               <a:rPr lang="en-SG" smtClean="0"/>
-              <a:t>6/7/2018</a:t>
+              <a:t>2/11/18</a:t>
             </a:fld>
             <a:endParaRPr lang="en-SG"/>
           </a:p>
@@ -3389,7 +3385,7 @@
             <a:pPr algn="ctr"/>
             <a:r>
               <a:rPr lang="en-SG" dirty="0"/>
-              <a:t>Add n/David… </a:t>
+              <a:t>Add n/Party… </a:t>
             </a:r>
             <a:endParaRPr lang="en-US" dirty="0"/>
           </a:p>
@@ -3454,7 +3450,7 @@
           <p:nvPr>
             <p:extLst>
               <p:ext uri="{D42A27DB-BD31-4B8C-83A1-F6EECF244321}">
-                <p14:modId xmlns:p14="http://schemas.microsoft.com/office/powerpoint/2010/main" val="3571951523"/>
+                <p14:modId xmlns:p14="http://schemas.microsoft.com/office/powerpoint/2010/main" val="1332334719"/>
               </p:ext>
             </p:extLst>
           </p:nvPr>
@@ -3485,14 +3481,9 @@
                     <a:lstStyle/>
                     <a:p>
                       <a:r>
-                        <a:rPr lang="en-SG" u="sng" dirty="0"/>
-                        <a:t>ab0:A</a:t>
+                        <a:rPr lang="en-SG" sz="1600" u="sng" dirty="0"/>
+                        <a:t>em0:EventManager</a:t>
                       </a:r>
-                      <a:r>
-                        <a:rPr lang="en-SG" sz="1800" u="sng" dirty="0"/>
-                        <a:t>ddressBook</a:t>
-                      </a:r>
-                      <a:endParaRPr lang="en-SG" sz="1600" u="sng" dirty="0"/>
                     </a:p>
                   </a:txBody>
                   <a:tcPr/>
@@ -3645,7 +3636,7 @@
       </p:sp>
       <p:graphicFrame>
         <p:nvGraphicFramePr>
-          <p:cNvPr id="15" name="Table 14">
+          <p:cNvPr id="16" name="Table 15">
             <a:extLst>
               <a:ext uri="{FF2B5EF4-FFF2-40B4-BE49-F238E27FC236}">
                 <a16:creationId xmlns:a16="http://schemas.microsoft.com/office/drawing/2014/main" id="{F545FAB8-F1CE-4886-9BDE-E772BCB0A9C4}"/>
@@ -3658,13 +3649,13 @@
           <p:nvPr>
             <p:extLst>
               <p:ext uri="{D42A27DB-BD31-4B8C-83A1-F6EECF244321}">
-                <p14:modId xmlns:p14="http://schemas.microsoft.com/office/powerpoint/2010/main" val="2341913009"/>
+                <p14:modId xmlns:p14="http://schemas.microsoft.com/office/powerpoint/2010/main" val="3974059875"/>
               </p:ext>
             </p:extLst>
           </p:nvPr>
         </p:nvGraphicFramePr>
         <p:xfrm>
-          <a:off x="2491232" y="1476102"/>
+          <a:off x="4509224" y="3908450"/>
           <a:ext cx="1825824" cy="417888"/>
         </p:xfrm>
         <a:graphic>
@@ -3689,82 +3680,9 @@
                     <a:lstStyle/>
                     <a:p>
                       <a:r>
-                        <a:rPr lang="en-SG" u="sng" dirty="0"/>
-                        <a:t>ab1:A</a:t>
+                        <a:rPr lang="en-SG" sz="1600" u="sng" dirty="0"/>
+                        <a:t>em2:EventManager</a:t>
                       </a:r>
-                      <a:r>
-                        <a:rPr lang="en-SG" sz="1800" u="sng" dirty="0"/>
-                        <a:t>ddressBook</a:t>
-                      </a:r>
-                      <a:endParaRPr lang="en-SG" sz="1600" u="sng" dirty="0"/>
-                    </a:p>
-                  </a:txBody>
-                  <a:tcPr/>
-                </a:tc>
-                <a:extLst>
-                  <a:ext uri="{0D108BD9-81ED-4DB2-BD59-A6C34878D82A}">
-                    <a16:rowId xmlns:a16="http://schemas.microsoft.com/office/drawing/2014/main" val="2194462629"/>
-                  </a:ext>
-                </a:extLst>
-              </a:tr>
-            </a:tbl>
-          </a:graphicData>
-        </a:graphic>
-      </p:graphicFrame>
-      <p:graphicFrame>
-        <p:nvGraphicFramePr>
-          <p:cNvPr id="16" name="Table 15">
-            <a:extLst>
-              <a:ext uri="{FF2B5EF4-FFF2-40B4-BE49-F238E27FC236}">
-                <a16:creationId xmlns:a16="http://schemas.microsoft.com/office/drawing/2014/main" id="{F545FAB8-F1CE-4886-9BDE-E772BCB0A9C4}"/>
-              </a:ext>
-            </a:extLst>
-          </p:cNvPr>
-          <p:cNvGraphicFramePr>
-            <a:graphicFrameLocks noGrp="1"/>
-          </p:cNvGraphicFramePr>
-          <p:nvPr>
-            <p:extLst>
-              <p:ext uri="{D42A27DB-BD31-4B8C-83A1-F6EECF244321}">
-                <p14:modId xmlns:p14="http://schemas.microsoft.com/office/powerpoint/2010/main" val="2172716932"/>
-              </p:ext>
-            </p:extLst>
-          </p:nvPr>
-        </p:nvGraphicFramePr>
-        <p:xfrm>
-          <a:off x="4509224" y="3926589"/>
-          <a:ext cx="1825824" cy="417888"/>
-        </p:xfrm>
-        <a:graphic>
-          <a:graphicData uri="http://schemas.openxmlformats.org/drawingml/2006/table">
-            <a:tbl>
-              <a:tblPr>
-                <a:tableStyleId>{638B1855-1B75-4FBE-930C-398BA8C253C6}</a:tableStyleId>
-              </a:tblPr>
-              <a:tblGrid>
-                <a:gridCol w="1825824">
-                  <a:extLst>
-                    <a:ext uri="{9D8B030D-6E8A-4147-A177-3AD203B41FA5}">
-                      <a16:colId xmlns:a16="http://schemas.microsoft.com/office/drawing/2014/main" val="4240773277"/>
-                    </a:ext>
-                  </a:extLst>
-                </a:gridCol>
-              </a:tblGrid>
-              <a:tr h="417888">
-                <a:tc>
-                  <a:txBody>
-                    <a:bodyPr/>
-                    <a:lstStyle/>
-                    <a:p>
-                      <a:r>
-                        <a:rPr lang="en-SG" u="sng"/>
-                        <a:t>ab2:A</a:t>
-                      </a:r>
-                      <a:r>
-                        <a:rPr lang="en-SG" sz="1800" u="sng"/>
-                        <a:t>ddressBook</a:t>
-                      </a:r>
-                      <a:endParaRPr lang="en-SG" sz="1600" u="sng" dirty="0"/>
                     </a:p>
                   </a:txBody>
                   <a:tcPr/>
@@ -3794,7 +3712,7 @@
           <p:nvPr>
             <p:extLst>
               <p:ext uri="{D42A27DB-BD31-4B8C-83A1-F6EECF244321}">
-                <p14:modId xmlns:p14="http://schemas.microsoft.com/office/powerpoint/2010/main" val="4094059841"/>
+                <p14:modId xmlns:p14="http://schemas.microsoft.com/office/powerpoint/2010/main" val="4014581869"/>
               </p:ext>
             </p:extLst>
           </p:nvPr>
@@ -3825,82 +3743,9 @@
                     <a:lstStyle/>
                     <a:p>
                       <a:r>
-                        <a:rPr lang="en-SG" u="sng" dirty="0"/>
-                        <a:t>ab1:A</a:t>
+                        <a:rPr lang="en-SG" sz="1600" u="sng" dirty="0"/>
+                        <a:t>em1:EventManager</a:t>
                       </a:r>
-                      <a:r>
-                        <a:rPr lang="en-SG" sz="1800" u="sng" dirty="0"/>
-                        <a:t>ddressBook</a:t>
-                      </a:r>
-                      <a:endParaRPr lang="en-SG" sz="1600" u="sng" dirty="0"/>
-                    </a:p>
-                  </a:txBody>
-                  <a:tcPr/>
-                </a:tc>
-                <a:extLst>
-                  <a:ext uri="{0D108BD9-81ED-4DB2-BD59-A6C34878D82A}">
-                    <a16:rowId xmlns:a16="http://schemas.microsoft.com/office/drawing/2014/main" val="2194462629"/>
-                  </a:ext>
-                </a:extLst>
-              </a:tr>
-            </a:tbl>
-          </a:graphicData>
-        </a:graphic>
-      </p:graphicFrame>
-      <p:graphicFrame>
-        <p:nvGraphicFramePr>
-          <p:cNvPr id="18" name="Table 17">
-            <a:extLst>
-              <a:ext uri="{FF2B5EF4-FFF2-40B4-BE49-F238E27FC236}">
-                <a16:creationId xmlns:a16="http://schemas.microsoft.com/office/drawing/2014/main" id="{F545FAB8-F1CE-4886-9BDE-E772BCB0A9C4}"/>
-              </a:ext>
-            </a:extLst>
-          </p:cNvPr>
-          <p:cNvGraphicFramePr>
-            <a:graphicFrameLocks noGrp="1"/>
-          </p:cNvGraphicFramePr>
-          <p:nvPr>
-            <p:extLst>
-              <p:ext uri="{D42A27DB-BD31-4B8C-83A1-F6EECF244321}">
-                <p14:modId xmlns:p14="http://schemas.microsoft.com/office/powerpoint/2010/main" val="3467820198"/>
-              </p:ext>
-            </p:extLst>
-          </p:nvPr>
-        </p:nvGraphicFramePr>
-        <p:xfrm>
-          <a:off x="473240" y="3908450"/>
-          <a:ext cx="1825824" cy="417888"/>
-        </p:xfrm>
-        <a:graphic>
-          <a:graphicData uri="http://schemas.openxmlformats.org/drawingml/2006/table">
-            <a:tbl>
-              <a:tblPr>
-                <a:tableStyleId>{638B1855-1B75-4FBE-930C-398BA8C253C6}</a:tableStyleId>
-              </a:tblPr>
-              <a:tblGrid>
-                <a:gridCol w="1825824">
-                  <a:extLst>
-                    <a:ext uri="{9D8B030D-6E8A-4147-A177-3AD203B41FA5}">
-                      <a16:colId xmlns:a16="http://schemas.microsoft.com/office/drawing/2014/main" val="4240773277"/>
-                    </a:ext>
-                  </a:extLst>
-                </a:gridCol>
-              </a:tblGrid>
-              <a:tr h="417888">
-                <a:tc>
-                  <a:txBody>
-                    <a:bodyPr/>
-                    <a:lstStyle/>
-                    <a:p>
-                      <a:r>
-                        <a:rPr lang="en-SG" u="sng" dirty="0"/>
-                        <a:t>ab0:A</a:t>
-                      </a:r>
-                      <a:r>
-                        <a:rPr lang="en-SG" sz="1800" u="sng" dirty="0"/>
-                        <a:t>ddressBook</a:t>
-                      </a:r>
-                      <a:endParaRPr lang="en-SG" sz="1600" u="sng" dirty="0"/>
                     </a:p>
                   </a:txBody>
                   <a:tcPr/>
@@ -4003,6 +3848,132 @@
           </a:fontRef>
         </p:style>
       </p:cxnSp>
+      <p:graphicFrame>
+        <p:nvGraphicFramePr>
+          <p:cNvPr id="20" name="Table 19">
+            <a:extLst>
+              <a:ext uri="{FF2B5EF4-FFF2-40B4-BE49-F238E27FC236}">
+                <a16:creationId xmlns:a16="http://schemas.microsoft.com/office/drawing/2014/main" id="{25C643A7-EE03-B441-A02F-B0C755A3CECA}"/>
+              </a:ext>
+            </a:extLst>
+          </p:cNvPr>
+          <p:cNvGraphicFramePr>
+            <a:graphicFrameLocks noGrp="1"/>
+          </p:cNvGraphicFramePr>
+          <p:nvPr>
+            <p:extLst>
+              <p:ext uri="{D42A27DB-BD31-4B8C-83A1-F6EECF244321}">
+                <p14:modId xmlns:p14="http://schemas.microsoft.com/office/powerpoint/2010/main" val="693107555"/>
+              </p:ext>
+            </p:extLst>
+          </p:nvPr>
+        </p:nvGraphicFramePr>
+        <p:xfrm>
+          <a:off x="2491232" y="1476102"/>
+          <a:ext cx="1825824" cy="417888"/>
+        </p:xfrm>
+        <a:graphic>
+          <a:graphicData uri="http://schemas.openxmlformats.org/drawingml/2006/table">
+            <a:tbl>
+              <a:tblPr>
+                <a:tableStyleId>{638B1855-1B75-4FBE-930C-398BA8C253C6}</a:tableStyleId>
+              </a:tblPr>
+              <a:tblGrid>
+                <a:gridCol w="1825824">
+                  <a:extLst>
+                    <a:ext uri="{9D8B030D-6E8A-4147-A177-3AD203B41FA5}">
+                      <a16:colId xmlns:a16="http://schemas.microsoft.com/office/drawing/2014/main" val="4240773277"/>
+                    </a:ext>
+                  </a:extLst>
+                </a:gridCol>
+              </a:tblGrid>
+              <a:tr h="417888">
+                <a:tc>
+                  <a:txBody>
+                    <a:bodyPr/>
+                    <a:lstStyle/>
+                    <a:p>
+                      <a:r>
+                        <a:rPr lang="en-SG" sz="1600" u="sng" dirty="0"/>
+                        <a:t>em1:EventManager</a:t>
+                      </a:r>
+                    </a:p>
+                  </a:txBody>
+                  <a:tcPr/>
+                </a:tc>
+                <a:extLst>
+                  <a:ext uri="{0D108BD9-81ED-4DB2-BD59-A6C34878D82A}">
+                    <a16:rowId xmlns:a16="http://schemas.microsoft.com/office/drawing/2014/main" val="2194462629"/>
+                  </a:ext>
+                </a:extLst>
+              </a:tr>
+            </a:tbl>
+          </a:graphicData>
+        </a:graphic>
+      </p:graphicFrame>
+      <p:graphicFrame>
+        <p:nvGraphicFramePr>
+          <p:cNvPr id="21" name="Table 20">
+            <a:extLst>
+              <a:ext uri="{FF2B5EF4-FFF2-40B4-BE49-F238E27FC236}">
+                <a16:creationId xmlns:a16="http://schemas.microsoft.com/office/drawing/2014/main" id="{41109A23-858A-9F45-B9E9-7B01BD5384C1}"/>
+              </a:ext>
+            </a:extLst>
+          </p:cNvPr>
+          <p:cNvGraphicFramePr>
+            <a:graphicFrameLocks noGrp="1"/>
+          </p:cNvGraphicFramePr>
+          <p:nvPr>
+            <p:extLst>
+              <p:ext uri="{D42A27DB-BD31-4B8C-83A1-F6EECF244321}">
+                <p14:modId xmlns:p14="http://schemas.microsoft.com/office/powerpoint/2010/main" val="2926538145"/>
+              </p:ext>
+            </p:extLst>
+          </p:nvPr>
+        </p:nvGraphicFramePr>
+        <p:xfrm>
+          <a:off x="473240" y="3908450"/>
+          <a:ext cx="1825824" cy="417888"/>
+        </p:xfrm>
+        <a:graphic>
+          <a:graphicData uri="http://schemas.openxmlformats.org/drawingml/2006/table">
+            <a:tbl>
+              <a:tblPr>
+                <a:tableStyleId>{638B1855-1B75-4FBE-930C-398BA8C253C6}</a:tableStyleId>
+              </a:tblPr>
+              <a:tblGrid>
+                <a:gridCol w="1825824">
+                  <a:extLst>
+                    <a:ext uri="{9D8B030D-6E8A-4147-A177-3AD203B41FA5}">
+                      <a16:colId xmlns:a16="http://schemas.microsoft.com/office/drawing/2014/main" val="4240773277"/>
+                    </a:ext>
+                  </a:extLst>
+                </a:gridCol>
+              </a:tblGrid>
+              <a:tr h="417888">
+                <a:tc>
+                  <a:txBody>
+                    <a:bodyPr/>
+                    <a:lstStyle/>
+                    <a:p>
+                      <a:r>
+                        <a:rPr lang="en-SG" sz="1600" u="sng" dirty="0"/>
+                        <a:t>em0:EventManager</a:t>
+                      </a:r>
+                    </a:p>
+                  </a:txBody>
+                  <a:tcPr/>
+                </a:tc>
+                <a:extLst>
+                  <a:ext uri="{0D108BD9-81ED-4DB2-BD59-A6C34878D82A}">
+                    <a16:rowId xmlns:a16="http://schemas.microsoft.com/office/drawing/2014/main" val="2194462629"/>
+                  </a:ext>
+                </a:extLst>
+              </a:tr>
+            </a:tbl>
+          </a:graphicData>
+        </a:graphic>
+      </p:graphicFrame>
     </p:spTree>
     <p:extLst>
       <p:ext uri="{BB962C8B-B14F-4D97-AF65-F5344CB8AC3E}">

--- a/docs/diagrams/UndoRedoNewCommand2StateListDiagram.pptx
+++ b/docs/diagrams/UndoRedoNewCommand2StateListDiagram.pptx
@@ -112,10 +112,6 @@
 </p:presentation>
 </file>
 
-<file path=ppt/revisionInfo.xml><?xml version="1.0" encoding="utf-8"?>
-<p1510:revInfo xmlns:a="http://schemas.openxmlformats.org/drawingml/2006/main" xmlns:r="http://schemas.openxmlformats.org/officeDocument/2006/relationships" xmlns:p1510="http://schemas.microsoft.com/office/powerpoint/2015/10/main"/>
-</file>
-
 <file path=ppt/slideLayouts/slideLayout1.xml><?xml version="1.0" encoding="utf-8"?>
 <p:sldLayout xmlns:a="http://schemas.openxmlformats.org/drawingml/2006/main" xmlns:r="http://schemas.openxmlformats.org/officeDocument/2006/relationships" xmlns:p="http://schemas.openxmlformats.org/presentationml/2006/main" type="title" preserve="1">
   <p:cSld name="Title Slide">
@@ -265,7 +261,7 @@
           <a:p>
             <a:fld id="{03EC4E3E-8101-482F-A883-8B55DAFF7C07}" type="datetimeFigureOut">
               <a:rPr lang="en-SG" smtClean="0"/>
-              <a:t>6/7/2018</a:t>
+              <a:t>10/11/2018</a:t>
             </a:fld>
             <a:endParaRPr lang="en-SG"/>
           </a:p>
@@ -465,7 +461,7 @@
           <a:p>
             <a:fld id="{03EC4E3E-8101-482F-A883-8B55DAFF7C07}" type="datetimeFigureOut">
               <a:rPr lang="en-SG" smtClean="0"/>
-              <a:t>6/7/2018</a:t>
+              <a:t>10/11/2018</a:t>
             </a:fld>
             <a:endParaRPr lang="en-SG"/>
           </a:p>
@@ -675,7 +671,7 @@
           <a:p>
             <a:fld id="{03EC4E3E-8101-482F-A883-8B55DAFF7C07}" type="datetimeFigureOut">
               <a:rPr lang="en-SG" smtClean="0"/>
-              <a:t>6/7/2018</a:t>
+              <a:t>10/11/2018</a:t>
             </a:fld>
             <a:endParaRPr lang="en-SG"/>
           </a:p>
@@ -875,7 +871,7 @@
           <a:p>
             <a:fld id="{03EC4E3E-8101-482F-A883-8B55DAFF7C07}" type="datetimeFigureOut">
               <a:rPr lang="en-SG" smtClean="0"/>
-              <a:t>6/7/2018</a:t>
+              <a:t>10/11/2018</a:t>
             </a:fld>
             <a:endParaRPr lang="en-SG"/>
           </a:p>
@@ -1151,7 +1147,7 @@
           <a:p>
             <a:fld id="{03EC4E3E-8101-482F-A883-8B55DAFF7C07}" type="datetimeFigureOut">
               <a:rPr lang="en-SG" smtClean="0"/>
-              <a:t>6/7/2018</a:t>
+              <a:t>10/11/2018</a:t>
             </a:fld>
             <a:endParaRPr lang="en-SG"/>
           </a:p>
@@ -1419,7 +1415,7 @@
           <a:p>
             <a:fld id="{03EC4E3E-8101-482F-A883-8B55DAFF7C07}" type="datetimeFigureOut">
               <a:rPr lang="en-SG" smtClean="0"/>
-              <a:t>6/7/2018</a:t>
+              <a:t>10/11/2018</a:t>
             </a:fld>
             <a:endParaRPr lang="en-SG"/>
           </a:p>
@@ -1834,7 +1830,7 @@
           <a:p>
             <a:fld id="{03EC4E3E-8101-482F-A883-8B55DAFF7C07}" type="datetimeFigureOut">
               <a:rPr lang="en-SG" smtClean="0"/>
-              <a:t>6/7/2018</a:t>
+              <a:t>10/11/2018</a:t>
             </a:fld>
             <a:endParaRPr lang="en-SG"/>
           </a:p>
@@ -1976,7 +1972,7 @@
           <a:p>
             <a:fld id="{03EC4E3E-8101-482F-A883-8B55DAFF7C07}" type="datetimeFigureOut">
               <a:rPr lang="en-SG" smtClean="0"/>
-              <a:t>6/7/2018</a:t>
+              <a:t>10/11/2018</a:t>
             </a:fld>
             <a:endParaRPr lang="en-SG"/>
           </a:p>
@@ -2089,7 +2085,7 @@
           <a:p>
             <a:fld id="{03EC4E3E-8101-482F-A883-8B55DAFF7C07}" type="datetimeFigureOut">
               <a:rPr lang="en-SG" smtClean="0"/>
-              <a:t>6/7/2018</a:t>
+              <a:t>10/11/2018</a:t>
             </a:fld>
             <a:endParaRPr lang="en-SG"/>
           </a:p>
@@ -2402,7 +2398,7 @@
           <a:p>
             <a:fld id="{03EC4E3E-8101-482F-A883-8B55DAFF7C07}" type="datetimeFigureOut">
               <a:rPr lang="en-SG" smtClean="0"/>
-              <a:t>6/7/2018</a:t>
+              <a:t>10/11/2018</a:t>
             </a:fld>
             <a:endParaRPr lang="en-SG"/>
           </a:p>
@@ -2691,7 +2687,7 @@
           <a:p>
             <a:fld id="{03EC4E3E-8101-482F-A883-8B55DAFF7C07}" type="datetimeFigureOut">
               <a:rPr lang="en-SG" smtClean="0"/>
-              <a:t>6/7/2018</a:t>
+              <a:t>10/11/2018</a:t>
             </a:fld>
             <a:endParaRPr lang="en-SG"/>
           </a:p>
@@ -2934,7 +2930,7 @@
           <a:p>
             <a:fld id="{03EC4E3E-8101-482F-A883-8B55DAFF7C07}" type="datetimeFigureOut">
               <a:rPr lang="en-SG" smtClean="0"/>
-              <a:t>6/7/2018</a:t>
+              <a:t>10/11/2018</a:t>
             </a:fld>
             <a:endParaRPr lang="en-SG"/>
           </a:p>
@@ -3389,7 +3385,7 @@
             <a:pPr algn="ctr"/>
             <a:r>
               <a:rPr lang="en-SG" dirty="0"/>
-              <a:t>Add n/David… </a:t>
+              <a:t>Add n/Mala… </a:t>
             </a:r>
             <a:endParaRPr lang="en-US" dirty="0"/>
           </a:p>
@@ -3454,14 +3450,14 @@
           <p:nvPr>
             <p:extLst>
               <p:ext uri="{D42A27DB-BD31-4B8C-83A1-F6EECF244321}">
-                <p14:modId xmlns:p14="http://schemas.microsoft.com/office/powerpoint/2010/main" val="3571951523"/>
+                <p14:modId xmlns:p14="http://schemas.microsoft.com/office/powerpoint/2010/main" val="3204761022"/>
               </p:ext>
             </p:extLst>
           </p:nvPr>
         </p:nvGraphicFramePr>
         <p:xfrm>
           <a:off x="473240" y="1476102"/>
-          <a:ext cx="1825824" cy="417888"/>
+          <a:ext cx="2173245" cy="417888"/>
         </p:xfrm>
         <a:graphic>
           <a:graphicData uri="http://schemas.openxmlformats.org/drawingml/2006/table">
@@ -3470,7 +3466,7 @@
                 <a:tableStyleId>{638B1855-1B75-4FBE-930C-398BA8C253C6}</a:tableStyleId>
               </a:tblPr>
               <a:tblGrid>
-                <a:gridCol w="1825824">
+                <a:gridCol w="2173245">
                   <a:extLst>
                     <a:ext uri="{9D8B030D-6E8A-4147-A177-3AD203B41FA5}">
                       <a16:colId xmlns:a16="http://schemas.microsoft.com/office/drawing/2014/main" val="4240773277"/>
@@ -3486,11 +3482,7 @@
                     <a:p>
                       <a:r>
                         <a:rPr lang="en-SG" u="sng" dirty="0"/>
-                        <a:t>ab0:A</a:t>
-                      </a:r>
-                      <a:r>
-                        <a:rPr lang="en-SG" sz="1800" u="sng" dirty="0"/>
-                        <a:t>ddressBook</a:t>
+                        <a:t>fp0:FinancialPlanner</a:t>
                       </a:r>
                       <a:endParaRPr lang="en-SG" sz="1600" u="sng" dirty="0"/>
                     </a:p>
@@ -3567,7 +3559,7 @@
         </p:nvSpPr>
         <p:spPr>
           <a:xfrm>
-            <a:off x="3894137" y="5123174"/>
+            <a:off x="3894137" y="5031067"/>
             <a:ext cx="3207000" cy="369332"/>
           </a:xfrm>
           <a:prstGeom prst="rect">
@@ -3643,278 +3635,6 @@
           </a:p>
         </p:txBody>
       </p:sp>
-      <p:graphicFrame>
-        <p:nvGraphicFramePr>
-          <p:cNvPr id="15" name="Table 14">
-            <a:extLst>
-              <a:ext uri="{FF2B5EF4-FFF2-40B4-BE49-F238E27FC236}">
-                <a16:creationId xmlns:a16="http://schemas.microsoft.com/office/drawing/2014/main" id="{F545FAB8-F1CE-4886-9BDE-E772BCB0A9C4}"/>
-              </a:ext>
-            </a:extLst>
-          </p:cNvPr>
-          <p:cNvGraphicFramePr>
-            <a:graphicFrameLocks noGrp="1"/>
-          </p:cNvGraphicFramePr>
-          <p:nvPr>
-            <p:extLst>
-              <p:ext uri="{D42A27DB-BD31-4B8C-83A1-F6EECF244321}">
-                <p14:modId xmlns:p14="http://schemas.microsoft.com/office/powerpoint/2010/main" val="2341913009"/>
-              </p:ext>
-            </p:extLst>
-          </p:nvPr>
-        </p:nvGraphicFramePr>
-        <p:xfrm>
-          <a:off x="2491232" y="1476102"/>
-          <a:ext cx="1825824" cy="417888"/>
-        </p:xfrm>
-        <a:graphic>
-          <a:graphicData uri="http://schemas.openxmlformats.org/drawingml/2006/table">
-            <a:tbl>
-              <a:tblPr>
-                <a:tableStyleId>{638B1855-1B75-4FBE-930C-398BA8C253C6}</a:tableStyleId>
-              </a:tblPr>
-              <a:tblGrid>
-                <a:gridCol w="1825824">
-                  <a:extLst>
-                    <a:ext uri="{9D8B030D-6E8A-4147-A177-3AD203B41FA5}">
-                      <a16:colId xmlns:a16="http://schemas.microsoft.com/office/drawing/2014/main" val="4240773277"/>
-                    </a:ext>
-                  </a:extLst>
-                </a:gridCol>
-              </a:tblGrid>
-              <a:tr h="417888">
-                <a:tc>
-                  <a:txBody>
-                    <a:bodyPr/>
-                    <a:lstStyle/>
-                    <a:p>
-                      <a:r>
-                        <a:rPr lang="en-SG" u="sng" dirty="0"/>
-                        <a:t>ab1:A</a:t>
-                      </a:r>
-                      <a:r>
-                        <a:rPr lang="en-SG" sz="1800" u="sng" dirty="0"/>
-                        <a:t>ddressBook</a:t>
-                      </a:r>
-                      <a:endParaRPr lang="en-SG" sz="1600" u="sng" dirty="0"/>
-                    </a:p>
-                  </a:txBody>
-                  <a:tcPr/>
-                </a:tc>
-                <a:extLst>
-                  <a:ext uri="{0D108BD9-81ED-4DB2-BD59-A6C34878D82A}">
-                    <a16:rowId xmlns:a16="http://schemas.microsoft.com/office/drawing/2014/main" val="2194462629"/>
-                  </a:ext>
-                </a:extLst>
-              </a:tr>
-            </a:tbl>
-          </a:graphicData>
-        </a:graphic>
-      </p:graphicFrame>
-      <p:graphicFrame>
-        <p:nvGraphicFramePr>
-          <p:cNvPr id="16" name="Table 15">
-            <a:extLst>
-              <a:ext uri="{FF2B5EF4-FFF2-40B4-BE49-F238E27FC236}">
-                <a16:creationId xmlns:a16="http://schemas.microsoft.com/office/drawing/2014/main" id="{F545FAB8-F1CE-4886-9BDE-E772BCB0A9C4}"/>
-              </a:ext>
-            </a:extLst>
-          </p:cNvPr>
-          <p:cNvGraphicFramePr>
-            <a:graphicFrameLocks noGrp="1"/>
-          </p:cNvGraphicFramePr>
-          <p:nvPr>
-            <p:extLst>
-              <p:ext uri="{D42A27DB-BD31-4B8C-83A1-F6EECF244321}">
-                <p14:modId xmlns:p14="http://schemas.microsoft.com/office/powerpoint/2010/main" val="2172716932"/>
-              </p:ext>
-            </p:extLst>
-          </p:nvPr>
-        </p:nvGraphicFramePr>
-        <p:xfrm>
-          <a:off x="4509224" y="3926589"/>
-          <a:ext cx="1825824" cy="417888"/>
-        </p:xfrm>
-        <a:graphic>
-          <a:graphicData uri="http://schemas.openxmlformats.org/drawingml/2006/table">
-            <a:tbl>
-              <a:tblPr>
-                <a:tableStyleId>{638B1855-1B75-4FBE-930C-398BA8C253C6}</a:tableStyleId>
-              </a:tblPr>
-              <a:tblGrid>
-                <a:gridCol w="1825824">
-                  <a:extLst>
-                    <a:ext uri="{9D8B030D-6E8A-4147-A177-3AD203B41FA5}">
-                      <a16:colId xmlns:a16="http://schemas.microsoft.com/office/drawing/2014/main" val="4240773277"/>
-                    </a:ext>
-                  </a:extLst>
-                </a:gridCol>
-              </a:tblGrid>
-              <a:tr h="417888">
-                <a:tc>
-                  <a:txBody>
-                    <a:bodyPr/>
-                    <a:lstStyle/>
-                    <a:p>
-                      <a:r>
-                        <a:rPr lang="en-SG" u="sng"/>
-                        <a:t>ab2:A</a:t>
-                      </a:r>
-                      <a:r>
-                        <a:rPr lang="en-SG" sz="1800" u="sng"/>
-                        <a:t>ddressBook</a:t>
-                      </a:r>
-                      <a:endParaRPr lang="en-SG" sz="1600" u="sng" dirty="0"/>
-                    </a:p>
-                  </a:txBody>
-                  <a:tcPr/>
-                </a:tc>
-                <a:extLst>
-                  <a:ext uri="{0D108BD9-81ED-4DB2-BD59-A6C34878D82A}">
-                    <a16:rowId xmlns:a16="http://schemas.microsoft.com/office/drawing/2014/main" val="2194462629"/>
-                  </a:ext>
-                </a:extLst>
-              </a:tr>
-            </a:tbl>
-          </a:graphicData>
-        </a:graphic>
-      </p:graphicFrame>
-      <p:graphicFrame>
-        <p:nvGraphicFramePr>
-          <p:cNvPr id="17" name="Table 16">
-            <a:extLst>
-              <a:ext uri="{FF2B5EF4-FFF2-40B4-BE49-F238E27FC236}">
-                <a16:creationId xmlns:a16="http://schemas.microsoft.com/office/drawing/2014/main" id="{F545FAB8-F1CE-4886-9BDE-E772BCB0A9C4}"/>
-              </a:ext>
-            </a:extLst>
-          </p:cNvPr>
-          <p:cNvGraphicFramePr>
-            <a:graphicFrameLocks noGrp="1"/>
-          </p:cNvGraphicFramePr>
-          <p:nvPr>
-            <p:extLst>
-              <p:ext uri="{D42A27DB-BD31-4B8C-83A1-F6EECF244321}">
-                <p14:modId xmlns:p14="http://schemas.microsoft.com/office/powerpoint/2010/main" val="4094059841"/>
-              </p:ext>
-            </p:extLst>
-          </p:nvPr>
-        </p:nvGraphicFramePr>
-        <p:xfrm>
-          <a:off x="2491232" y="3908450"/>
-          <a:ext cx="1825824" cy="417888"/>
-        </p:xfrm>
-        <a:graphic>
-          <a:graphicData uri="http://schemas.openxmlformats.org/drawingml/2006/table">
-            <a:tbl>
-              <a:tblPr>
-                <a:tableStyleId>{638B1855-1B75-4FBE-930C-398BA8C253C6}</a:tableStyleId>
-              </a:tblPr>
-              <a:tblGrid>
-                <a:gridCol w="1825824">
-                  <a:extLst>
-                    <a:ext uri="{9D8B030D-6E8A-4147-A177-3AD203B41FA5}">
-                      <a16:colId xmlns:a16="http://schemas.microsoft.com/office/drawing/2014/main" val="4240773277"/>
-                    </a:ext>
-                  </a:extLst>
-                </a:gridCol>
-              </a:tblGrid>
-              <a:tr h="417888">
-                <a:tc>
-                  <a:txBody>
-                    <a:bodyPr/>
-                    <a:lstStyle/>
-                    <a:p>
-                      <a:r>
-                        <a:rPr lang="en-SG" u="sng" dirty="0"/>
-                        <a:t>ab1:A</a:t>
-                      </a:r>
-                      <a:r>
-                        <a:rPr lang="en-SG" sz="1800" u="sng" dirty="0"/>
-                        <a:t>ddressBook</a:t>
-                      </a:r>
-                      <a:endParaRPr lang="en-SG" sz="1600" u="sng" dirty="0"/>
-                    </a:p>
-                  </a:txBody>
-                  <a:tcPr/>
-                </a:tc>
-                <a:extLst>
-                  <a:ext uri="{0D108BD9-81ED-4DB2-BD59-A6C34878D82A}">
-                    <a16:rowId xmlns:a16="http://schemas.microsoft.com/office/drawing/2014/main" val="2194462629"/>
-                  </a:ext>
-                </a:extLst>
-              </a:tr>
-            </a:tbl>
-          </a:graphicData>
-        </a:graphic>
-      </p:graphicFrame>
-      <p:graphicFrame>
-        <p:nvGraphicFramePr>
-          <p:cNvPr id="18" name="Table 17">
-            <a:extLst>
-              <a:ext uri="{FF2B5EF4-FFF2-40B4-BE49-F238E27FC236}">
-                <a16:creationId xmlns:a16="http://schemas.microsoft.com/office/drawing/2014/main" id="{F545FAB8-F1CE-4886-9BDE-E772BCB0A9C4}"/>
-              </a:ext>
-            </a:extLst>
-          </p:cNvPr>
-          <p:cNvGraphicFramePr>
-            <a:graphicFrameLocks noGrp="1"/>
-          </p:cNvGraphicFramePr>
-          <p:nvPr>
-            <p:extLst>
-              <p:ext uri="{D42A27DB-BD31-4B8C-83A1-F6EECF244321}">
-                <p14:modId xmlns:p14="http://schemas.microsoft.com/office/powerpoint/2010/main" val="3467820198"/>
-              </p:ext>
-            </p:extLst>
-          </p:nvPr>
-        </p:nvGraphicFramePr>
-        <p:xfrm>
-          <a:off x="473240" y="3908450"/>
-          <a:ext cx="1825824" cy="417888"/>
-        </p:xfrm>
-        <a:graphic>
-          <a:graphicData uri="http://schemas.openxmlformats.org/drawingml/2006/table">
-            <a:tbl>
-              <a:tblPr>
-                <a:tableStyleId>{638B1855-1B75-4FBE-930C-398BA8C253C6}</a:tableStyleId>
-              </a:tblPr>
-              <a:tblGrid>
-                <a:gridCol w="1825824">
-                  <a:extLst>
-                    <a:ext uri="{9D8B030D-6E8A-4147-A177-3AD203B41FA5}">
-                      <a16:colId xmlns:a16="http://schemas.microsoft.com/office/drawing/2014/main" val="4240773277"/>
-                    </a:ext>
-                  </a:extLst>
-                </a:gridCol>
-              </a:tblGrid>
-              <a:tr h="417888">
-                <a:tc>
-                  <a:txBody>
-                    <a:bodyPr/>
-                    <a:lstStyle/>
-                    <a:p>
-                      <a:r>
-                        <a:rPr lang="en-SG" u="sng" dirty="0"/>
-                        <a:t>ab0:A</a:t>
-                      </a:r>
-                      <a:r>
-                        <a:rPr lang="en-SG" sz="1800" u="sng" dirty="0"/>
-                        <a:t>ddressBook</a:t>
-                      </a:r>
-                      <a:endParaRPr lang="en-SG" sz="1600" u="sng" dirty="0"/>
-                    </a:p>
-                  </a:txBody>
-                  <a:tcPr/>
-                </a:tc>
-                <a:extLst>
-                  <a:ext uri="{0D108BD9-81ED-4DB2-BD59-A6C34878D82A}">
-                    <a16:rowId xmlns:a16="http://schemas.microsoft.com/office/drawing/2014/main" val="2194462629"/>
-                  </a:ext>
-                </a:extLst>
-              </a:tr>
-            </a:tbl>
-          </a:graphicData>
-        </a:graphic>
-      </p:graphicFrame>
       <p:cxnSp>
         <p:nvCxnSpPr>
           <p:cNvPr id="14" name="Straight Arrow Connector 13">
@@ -4003,6 +3723,262 @@
           </a:fontRef>
         </p:style>
       </p:cxnSp>
+      <p:graphicFrame>
+        <p:nvGraphicFramePr>
+          <p:cNvPr id="20" name="Table 19">
+            <a:extLst>
+              <a:ext uri="{FF2B5EF4-FFF2-40B4-BE49-F238E27FC236}">
+                <a16:creationId xmlns:a16="http://schemas.microsoft.com/office/drawing/2014/main" id="{4C49EF37-DFAC-4B54-89E7-1F800CDCD302}"/>
+              </a:ext>
+            </a:extLst>
+          </p:cNvPr>
+          <p:cNvGraphicFramePr>
+            <a:graphicFrameLocks noGrp="1"/>
+          </p:cNvGraphicFramePr>
+          <p:nvPr>
+            <p:extLst>
+              <p:ext uri="{D42A27DB-BD31-4B8C-83A1-F6EECF244321}">
+                <p14:modId xmlns:p14="http://schemas.microsoft.com/office/powerpoint/2010/main" val="938550904"/>
+              </p:ext>
+            </p:extLst>
+          </p:nvPr>
+        </p:nvGraphicFramePr>
+        <p:xfrm>
+          <a:off x="2754928" y="1476102"/>
+          <a:ext cx="2173245" cy="417888"/>
+        </p:xfrm>
+        <a:graphic>
+          <a:graphicData uri="http://schemas.openxmlformats.org/drawingml/2006/table">
+            <a:tbl>
+              <a:tblPr>
+                <a:tableStyleId>{638B1855-1B75-4FBE-930C-398BA8C253C6}</a:tableStyleId>
+              </a:tblPr>
+              <a:tblGrid>
+                <a:gridCol w="2173245">
+                  <a:extLst>
+                    <a:ext uri="{9D8B030D-6E8A-4147-A177-3AD203B41FA5}">
+                      <a16:colId xmlns:a16="http://schemas.microsoft.com/office/drawing/2014/main" val="4240773277"/>
+                    </a:ext>
+                  </a:extLst>
+                </a:gridCol>
+              </a:tblGrid>
+              <a:tr h="417888">
+                <a:tc>
+                  <a:txBody>
+                    <a:bodyPr/>
+                    <a:lstStyle/>
+                    <a:p>
+                      <a:r>
+                        <a:rPr lang="en-SG" u="sng" dirty="0"/>
+                        <a:t>fp1:FinancialPlanner</a:t>
+                      </a:r>
+                      <a:endParaRPr lang="en-SG" sz="1600" u="sng" dirty="0"/>
+                    </a:p>
+                  </a:txBody>
+                  <a:tcPr/>
+                </a:tc>
+                <a:extLst>
+                  <a:ext uri="{0D108BD9-81ED-4DB2-BD59-A6C34878D82A}">
+                    <a16:rowId xmlns:a16="http://schemas.microsoft.com/office/drawing/2014/main" val="2194462629"/>
+                  </a:ext>
+                </a:extLst>
+              </a:tr>
+            </a:tbl>
+          </a:graphicData>
+        </a:graphic>
+      </p:graphicFrame>
+      <p:graphicFrame>
+        <p:nvGraphicFramePr>
+          <p:cNvPr id="21" name="Table 20">
+            <a:extLst>
+              <a:ext uri="{FF2B5EF4-FFF2-40B4-BE49-F238E27FC236}">
+                <a16:creationId xmlns:a16="http://schemas.microsoft.com/office/drawing/2014/main" id="{46A43C6C-1EF2-4F0D-A7EE-17CBBF558D85}"/>
+              </a:ext>
+            </a:extLst>
+          </p:cNvPr>
+          <p:cNvGraphicFramePr>
+            <a:graphicFrameLocks noGrp="1"/>
+          </p:cNvGraphicFramePr>
+          <p:nvPr>
+            <p:extLst>
+              <p:ext uri="{D42A27DB-BD31-4B8C-83A1-F6EECF244321}">
+                <p14:modId xmlns:p14="http://schemas.microsoft.com/office/powerpoint/2010/main" val="2434973546"/>
+              </p:ext>
+            </p:extLst>
+          </p:nvPr>
+        </p:nvGraphicFramePr>
+        <p:xfrm>
+          <a:off x="473240" y="3914373"/>
+          <a:ext cx="2173245" cy="417888"/>
+        </p:xfrm>
+        <a:graphic>
+          <a:graphicData uri="http://schemas.openxmlformats.org/drawingml/2006/table">
+            <a:tbl>
+              <a:tblPr>
+                <a:tableStyleId>{638B1855-1B75-4FBE-930C-398BA8C253C6}</a:tableStyleId>
+              </a:tblPr>
+              <a:tblGrid>
+                <a:gridCol w="2173245">
+                  <a:extLst>
+                    <a:ext uri="{9D8B030D-6E8A-4147-A177-3AD203B41FA5}">
+                      <a16:colId xmlns:a16="http://schemas.microsoft.com/office/drawing/2014/main" val="4240773277"/>
+                    </a:ext>
+                  </a:extLst>
+                </a:gridCol>
+              </a:tblGrid>
+              <a:tr h="417888">
+                <a:tc>
+                  <a:txBody>
+                    <a:bodyPr/>
+                    <a:lstStyle/>
+                    <a:p>
+                      <a:r>
+                        <a:rPr lang="en-SG" u="sng" dirty="0"/>
+                        <a:t>fp0:FinancialPlanner</a:t>
+                      </a:r>
+                      <a:endParaRPr lang="en-SG" sz="1600" u="sng" dirty="0"/>
+                    </a:p>
+                  </a:txBody>
+                  <a:tcPr/>
+                </a:tc>
+                <a:extLst>
+                  <a:ext uri="{0D108BD9-81ED-4DB2-BD59-A6C34878D82A}">
+                    <a16:rowId xmlns:a16="http://schemas.microsoft.com/office/drawing/2014/main" val="2194462629"/>
+                  </a:ext>
+                </a:extLst>
+              </a:tr>
+            </a:tbl>
+          </a:graphicData>
+        </a:graphic>
+      </p:graphicFrame>
+      <p:graphicFrame>
+        <p:nvGraphicFramePr>
+          <p:cNvPr id="22" name="Table 21">
+            <a:extLst>
+              <a:ext uri="{FF2B5EF4-FFF2-40B4-BE49-F238E27FC236}">
+                <a16:creationId xmlns:a16="http://schemas.microsoft.com/office/drawing/2014/main" id="{0E7A6B54-B25E-4EB2-A452-2E2AFA4D6116}"/>
+              </a:ext>
+            </a:extLst>
+          </p:cNvPr>
+          <p:cNvGraphicFramePr>
+            <a:graphicFrameLocks noGrp="1"/>
+          </p:cNvGraphicFramePr>
+          <p:nvPr>
+            <p:extLst>
+              <p:ext uri="{D42A27DB-BD31-4B8C-83A1-F6EECF244321}">
+                <p14:modId xmlns:p14="http://schemas.microsoft.com/office/powerpoint/2010/main" val="4140193060"/>
+              </p:ext>
+            </p:extLst>
+          </p:nvPr>
+        </p:nvGraphicFramePr>
+        <p:xfrm>
+          <a:off x="2754928" y="3914373"/>
+          <a:ext cx="2173245" cy="417888"/>
+        </p:xfrm>
+        <a:graphic>
+          <a:graphicData uri="http://schemas.openxmlformats.org/drawingml/2006/table">
+            <a:tbl>
+              <a:tblPr>
+                <a:tableStyleId>{638B1855-1B75-4FBE-930C-398BA8C253C6}</a:tableStyleId>
+              </a:tblPr>
+              <a:tblGrid>
+                <a:gridCol w="2173245">
+                  <a:extLst>
+                    <a:ext uri="{9D8B030D-6E8A-4147-A177-3AD203B41FA5}">
+                      <a16:colId xmlns:a16="http://schemas.microsoft.com/office/drawing/2014/main" val="4240773277"/>
+                    </a:ext>
+                  </a:extLst>
+                </a:gridCol>
+              </a:tblGrid>
+              <a:tr h="417888">
+                <a:tc>
+                  <a:txBody>
+                    <a:bodyPr/>
+                    <a:lstStyle/>
+                    <a:p>
+                      <a:r>
+                        <a:rPr lang="en-SG" u="sng" dirty="0"/>
+                        <a:t>fp1:FinancialPlanner</a:t>
+                      </a:r>
+                      <a:endParaRPr lang="en-SG" sz="1600" u="sng" dirty="0"/>
+                    </a:p>
+                  </a:txBody>
+                  <a:tcPr/>
+                </a:tc>
+                <a:extLst>
+                  <a:ext uri="{0D108BD9-81ED-4DB2-BD59-A6C34878D82A}">
+                    <a16:rowId xmlns:a16="http://schemas.microsoft.com/office/drawing/2014/main" val="2194462629"/>
+                  </a:ext>
+                </a:extLst>
+              </a:tr>
+            </a:tbl>
+          </a:graphicData>
+        </a:graphic>
+      </p:graphicFrame>
+      <p:graphicFrame>
+        <p:nvGraphicFramePr>
+          <p:cNvPr id="31" name="Table 30">
+            <a:extLst>
+              <a:ext uri="{FF2B5EF4-FFF2-40B4-BE49-F238E27FC236}">
+                <a16:creationId xmlns:a16="http://schemas.microsoft.com/office/drawing/2014/main" id="{ED5EF81B-7894-4A11-AE9D-947C15B19717}"/>
+              </a:ext>
+            </a:extLst>
+          </p:cNvPr>
+          <p:cNvGraphicFramePr>
+            <a:graphicFrameLocks noGrp="1"/>
+          </p:cNvGraphicFramePr>
+          <p:nvPr>
+            <p:extLst>
+              <p:ext uri="{D42A27DB-BD31-4B8C-83A1-F6EECF244321}">
+                <p14:modId xmlns:p14="http://schemas.microsoft.com/office/powerpoint/2010/main" val="3779704045"/>
+              </p:ext>
+            </p:extLst>
+          </p:nvPr>
+        </p:nvGraphicFramePr>
+        <p:xfrm>
+          <a:off x="5036616" y="3914373"/>
+          <a:ext cx="2173245" cy="417888"/>
+        </p:xfrm>
+        <a:graphic>
+          <a:graphicData uri="http://schemas.openxmlformats.org/drawingml/2006/table">
+            <a:tbl>
+              <a:tblPr>
+                <a:tableStyleId>{638B1855-1B75-4FBE-930C-398BA8C253C6}</a:tableStyleId>
+              </a:tblPr>
+              <a:tblGrid>
+                <a:gridCol w="2173245">
+                  <a:extLst>
+                    <a:ext uri="{9D8B030D-6E8A-4147-A177-3AD203B41FA5}">
+                      <a16:colId xmlns:a16="http://schemas.microsoft.com/office/drawing/2014/main" val="4240773277"/>
+                    </a:ext>
+                  </a:extLst>
+                </a:gridCol>
+              </a:tblGrid>
+              <a:tr h="417888">
+                <a:tc>
+                  <a:txBody>
+                    <a:bodyPr/>
+                    <a:lstStyle/>
+                    <a:p>
+                      <a:r>
+                        <a:rPr lang="en-SG" u="sng" dirty="0"/>
+                        <a:t>fp2:FinancialPlanner</a:t>
+                      </a:r>
+                      <a:endParaRPr lang="en-SG" sz="1600" u="sng" dirty="0"/>
+                    </a:p>
+                  </a:txBody>
+                  <a:tcPr/>
+                </a:tc>
+                <a:extLst>
+                  <a:ext uri="{0D108BD9-81ED-4DB2-BD59-A6C34878D82A}">
+                    <a16:rowId xmlns:a16="http://schemas.microsoft.com/office/drawing/2014/main" val="2194462629"/>
+                  </a:ext>
+                </a:extLst>
+              </a:tr>
+            </a:tbl>
+          </a:graphicData>
+        </a:graphic>
+      </p:graphicFrame>
     </p:spTree>
     <p:extLst>
       <p:ext uri="{BB962C8B-B14F-4D97-AF65-F5344CB8AC3E}">

--- a/docs/diagrams/UndoRedoNewCommand2StateListDiagram.pptx
+++ b/docs/diagrams/UndoRedoNewCommand2StateListDiagram.pptx
@@ -112,10 +112,6 @@
 </p:presentation>
 </file>
 
-<file path=ppt/revisionInfo.xml><?xml version="1.0" encoding="utf-8"?>
-<p1510:revInfo xmlns:a="http://schemas.openxmlformats.org/drawingml/2006/main" xmlns:r="http://schemas.openxmlformats.org/officeDocument/2006/relationships" xmlns:p1510="http://schemas.microsoft.com/office/powerpoint/2015/10/main"/>
-</file>
-
 <file path=ppt/slideLayouts/slideLayout1.xml><?xml version="1.0" encoding="utf-8"?>
 <p:sldLayout xmlns:a="http://schemas.openxmlformats.org/drawingml/2006/main" xmlns:r="http://schemas.openxmlformats.org/officeDocument/2006/relationships" xmlns:p="http://schemas.openxmlformats.org/presentationml/2006/main" type="title" preserve="1">
   <p:cSld name="Title Slide">
@@ -265,7 +261,7 @@
           <a:p>
             <a:fld id="{03EC4E3E-8101-482F-A883-8B55DAFF7C07}" type="datetimeFigureOut">
               <a:rPr lang="en-SG" smtClean="0"/>
-              <a:t>6/7/2018</a:t>
+              <a:t>12/11/2018</a:t>
             </a:fld>
             <a:endParaRPr lang="en-SG"/>
           </a:p>
@@ -465,7 +461,7 @@
           <a:p>
             <a:fld id="{03EC4E3E-8101-482F-A883-8B55DAFF7C07}" type="datetimeFigureOut">
               <a:rPr lang="en-SG" smtClean="0"/>
-              <a:t>6/7/2018</a:t>
+              <a:t>12/11/2018</a:t>
             </a:fld>
             <a:endParaRPr lang="en-SG"/>
           </a:p>
@@ -675,7 +671,7 @@
           <a:p>
             <a:fld id="{03EC4E3E-8101-482F-A883-8B55DAFF7C07}" type="datetimeFigureOut">
               <a:rPr lang="en-SG" smtClean="0"/>
-              <a:t>6/7/2018</a:t>
+              <a:t>12/11/2018</a:t>
             </a:fld>
             <a:endParaRPr lang="en-SG"/>
           </a:p>
@@ -875,7 +871,7 @@
           <a:p>
             <a:fld id="{03EC4E3E-8101-482F-A883-8B55DAFF7C07}" type="datetimeFigureOut">
               <a:rPr lang="en-SG" smtClean="0"/>
-              <a:t>6/7/2018</a:t>
+              <a:t>12/11/2018</a:t>
             </a:fld>
             <a:endParaRPr lang="en-SG"/>
           </a:p>
@@ -1151,7 +1147,7 @@
           <a:p>
             <a:fld id="{03EC4E3E-8101-482F-A883-8B55DAFF7C07}" type="datetimeFigureOut">
               <a:rPr lang="en-SG" smtClean="0"/>
-              <a:t>6/7/2018</a:t>
+              <a:t>12/11/2018</a:t>
             </a:fld>
             <a:endParaRPr lang="en-SG"/>
           </a:p>
@@ -1419,7 +1415,7 @@
           <a:p>
             <a:fld id="{03EC4E3E-8101-482F-A883-8B55DAFF7C07}" type="datetimeFigureOut">
               <a:rPr lang="en-SG" smtClean="0"/>
-              <a:t>6/7/2018</a:t>
+              <a:t>12/11/2018</a:t>
             </a:fld>
             <a:endParaRPr lang="en-SG"/>
           </a:p>
@@ -1834,7 +1830,7 @@
           <a:p>
             <a:fld id="{03EC4E3E-8101-482F-A883-8B55DAFF7C07}" type="datetimeFigureOut">
               <a:rPr lang="en-SG" smtClean="0"/>
-              <a:t>6/7/2018</a:t>
+              <a:t>12/11/2018</a:t>
             </a:fld>
             <a:endParaRPr lang="en-SG"/>
           </a:p>
@@ -1976,7 +1972,7 @@
           <a:p>
             <a:fld id="{03EC4E3E-8101-482F-A883-8B55DAFF7C07}" type="datetimeFigureOut">
               <a:rPr lang="en-SG" smtClean="0"/>
-              <a:t>6/7/2018</a:t>
+              <a:t>12/11/2018</a:t>
             </a:fld>
             <a:endParaRPr lang="en-SG"/>
           </a:p>
@@ -2089,7 +2085,7 @@
           <a:p>
             <a:fld id="{03EC4E3E-8101-482F-A883-8B55DAFF7C07}" type="datetimeFigureOut">
               <a:rPr lang="en-SG" smtClean="0"/>
-              <a:t>6/7/2018</a:t>
+              <a:t>12/11/2018</a:t>
             </a:fld>
             <a:endParaRPr lang="en-SG"/>
           </a:p>
@@ -2402,7 +2398,7 @@
           <a:p>
             <a:fld id="{03EC4E3E-8101-482F-A883-8B55DAFF7C07}" type="datetimeFigureOut">
               <a:rPr lang="en-SG" smtClean="0"/>
-              <a:t>6/7/2018</a:t>
+              <a:t>12/11/2018</a:t>
             </a:fld>
             <a:endParaRPr lang="en-SG"/>
           </a:p>
@@ -2691,7 +2687,7 @@
           <a:p>
             <a:fld id="{03EC4E3E-8101-482F-A883-8B55DAFF7C07}" type="datetimeFigureOut">
               <a:rPr lang="en-SG" smtClean="0"/>
-              <a:t>6/7/2018</a:t>
+              <a:t>12/11/2018</a:t>
             </a:fld>
             <a:endParaRPr lang="en-SG"/>
           </a:p>
@@ -2934,7 +2930,7 @@
           <a:p>
             <a:fld id="{03EC4E3E-8101-482F-A883-8B55DAFF7C07}" type="datetimeFigureOut">
               <a:rPr lang="en-SG" smtClean="0"/>
-              <a:t>6/7/2018</a:t>
+              <a:t>12/11/2018</a:t>
             </a:fld>
             <a:endParaRPr lang="en-SG"/>
           </a:p>
@@ -3388,8 +3384,12 @@
           <a:p>
             <a:pPr algn="ctr"/>
             <a:r>
+              <a:rPr lang="en-SG" dirty="0" err="1"/>
+              <a:t>addc</a:t>
+            </a:r>
+            <a:r>
               <a:rPr lang="en-SG" dirty="0"/>
-              <a:t>Add n/David… </a:t>
+              <a:t> n/David… </a:t>
             </a:r>
             <a:endParaRPr lang="en-US" dirty="0"/>
           </a:p>
@@ -3454,7 +3454,7 @@
           <p:nvPr>
             <p:extLst>
               <p:ext uri="{D42A27DB-BD31-4B8C-83A1-F6EECF244321}">
-                <p14:modId xmlns:p14="http://schemas.microsoft.com/office/powerpoint/2010/main" val="3571951523"/>
+                <p14:modId xmlns:p14="http://schemas.microsoft.com/office/powerpoint/2010/main" val="3891182397"/>
               </p:ext>
             </p:extLst>
           </p:nvPr>
@@ -3484,15 +3484,11 @@
                     <a:bodyPr/>
                     <a:lstStyle/>
                     <a:p>
-                      <a:r>
-                        <a:rPr lang="en-SG" u="sng" dirty="0"/>
-                        <a:t>ab0:A</a:t>
-                      </a:r>
+                      <a:pPr algn="ctr"/>
                       <a:r>
                         <a:rPr lang="en-SG" sz="1800" u="sng" dirty="0"/>
-                        <a:t>ddressBook</a:t>
+                        <a:t>rb0:RecruitBook</a:t>
                       </a:r>
-                      <a:endParaRPr lang="en-SG" sz="1600" u="sng" dirty="0"/>
                     </a:p>
                   </a:txBody>
                   <a:tcPr/>
@@ -3658,7 +3654,7 @@
           <p:nvPr>
             <p:extLst>
               <p:ext uri="{D42A27DB-BD31-4B8C-83A1-F6EECF244321}">
-                <p14:modId xmlns:p14="http://schemas.microsoft.com/office/powerpoint/2010/main" val="2341913009"/>
+                <p14:modId xmlns:p14="http://schemas.microsoft.com/office/powerpoint/2010/main" val="1805057269"/>
               </p:ext>
             </p:extLst>
           </p:nvPr>
@@ -3688,15 +3684,11 @@
                     <a:bodyPr/>
                     <a:lstStyle/>
                     <a:p>
-                      <a:r>
-                        <a:rPr lang="en-SG" u="sng" dirty="0"/>
-                        <a:t>ab1:A</a:t>
-                      </a:r>
+                      <a:pPr algn="ctr"/>
                       <a:r>
                         <a:rPr lang="en-SG" sz="1800" u="sng" dirty="0"/>
-                        <a:t>ddressBook</a:t>
+                        <a:t>rb1:RecruitBook</a:t>
                       </a:r>
-                      <a:endParaRPr lang="en-SG" sz="1600" u="sng" dirty="0"/>
                     </a:p>
                   </a:txBody>
                   <a:tcPr/>
@@ -3726,7 +3718,7 @@
           <p:nvPr>
             <p:extLst>
               <p:ext uri="{D42A27DB-BD31-4B8C-83A1-F6EECF244321}">
-                <p14:modId xmlns:p14="http://schemas.microsoft.com/office/powerpoint/2010/main" val="2172716932"/>
+                <p14:modId xmlns:p14="http://schemas.microsoft.com/office/powerpoint/2010/main" val="790089141"/>
               </p:ext>
             </p:extLst>
           </p:nvPr>
@@ -3756,15 +3748,11 @@
                     <a:bodyPr/>
                     <a:lstStyle/>
                     <a:p>
+                      <a:pPr algn="ctr"/>
                       <a:r>
-                        <a:rPr lang="en-SG" u="sng"/>
-                        <a:t>ab2:A</a:t>
+                        <a:rPr lang="en-SG" sz="1800" u="sng" dirty="0"/>
+                        <a:t>rb2:RecruitBook</a:t>
                       </a:r>
-                      <a:r>
-                        <a:rPr lang="en-SG" sz="1800" u="sng"/>
-                        <a:t>ddressBook</a:t>
-                      </a:r>
-                      <a:endParaRPr lang="en-SG" sz="1600" u="sng" dirty="0"/>
                     </a:p>
                   </a:txBody>
                   <a:tcPr/>
@@ -3794,7 +3782,7 @@
           <p:nvPr>
             <p:extLst>
               <p:ext uri="{D42A27DB-BD31-4B8C-83A1-F6EECF244321}">
-                <p14:modId xmlns:p14="http://schemas.microsoft.com/office/powerpoint/2010/main" val="4094059841"/>
+                <p14:modId xmlns:p14="http://schemas.microsoft.com/office/powerpoint/2010/main" val="1024807644"/>
               </p:ext>
             </p:extLst>
           </p:nvPr>
@@ -3824,15 +3812,11 @@
                     <a:bodyPr/>
                     <a:lstStyle/>
                     <a:p>
-                      <a:r>
-                        <a:rPr lang="en-SG" u="sng" dirty="0"/>
-                        <a:t>ab1:A</a:t>
-                      </a:r>
+                      <a:pPr algn="ctr"/>
                       <a:r>
                         <a:rPr lang="en-SG" sz="1800" u="sng" dirty="0"/>
-                        <a:t>ddressBook</a:t>
+                        <a:t>rb1:RecruitBook</a:t>
                       </a:r>
-                      <a:endParaRPr lang="en-SG" sz="1600" u="sng" dirty="0"/>
                     </a:p>
                   </a:txBody>
                   <a:tcPr/>
@@ -3862,7 +3846,7 @@
           <p:nvPr>
             <p:extLst>
               <p:ext uri="{D42A27DB-BD31-4B8C-83A1-F6EECF244321}">
-                <p14:modId xmlns:p14="http://schemas.microsoft.com/office/powerpoint/2010/main" val="3467820198"/>
+                <p14:modId xmlns:p14="http://schemas.microsoft.com/office/powerpoint/2010/main" val="3621704807"/>
               </p:ext>
             </p:extLst>
           </p:nvPr>
@@ -3892,15 +3876,11 @@
                     <a:bodyPr/>
                     <a:lstStyle/>
                     <a:p>
-                      <a:r>
-                        <a:rPr lang="en-SG" u="sng" dirty="0"/>
-                        <a:t>ab0:A</a:t>
-                      </a:r>
+                      <a:pPr algn="ctr"/>
                       <a:r>
                         <a:rPr lang="en-SG" sz="1800" u="sng" dirty="0"/>
-                        <a:t>ddressBook</a:t>
+                        <a:t>rb0:RecruitBook</a:t>
                       </a:r>
-                      <a:endParaRPr lang="en-SG" sz="1600" u="sng" dirty="0"/>
                     </a:p>
                   </a:txBody>
                   <a:tcPr/>

--- a/docs/diagrams/UndoRedoNewCommand2StateListDiagram.pptx
+++ b/docs/diagrams/UndoRedoNewCommand2StateListDiagram.pptx
@@ -112,10 +112,6 @@
 </p:presentation>
 </file>
 
-<file path=ppt/revisionInfo.xml><?xml version="1.0" encoding="utf-8"?>
-<p1510:revInfo xmlns:a="http://schemas.openxmlformats.org/drawingml/2006/main" xmlns:r="http://schemas.openxmlformats.org/officeDocument/2006/relationships" xmlns:p1510="http://schemas.microsoft.com/office/powerpoint/2015/10/main"/>
-</file>
-
 <file path=ppt/slideLayouts/slideLayout1.xml><?xml version="1.0" encoding="utf-8"?>
 <p:sldLayout xmlns:a="http://schemas.openxmlformats.org/drawingml/2006/main" xmlns:r="http://schemas.openxmlformats.org/officeDocument/2006/relationships" xmlns:p="http://schemas.openxmlformats.org/presentationml/2006/main" type="title" preserve="1">
   <p:cSld name="Title Slide">
@@ -265,7 +261,7 @@
           <a:p>
             <a:fld id="{03EC4E3E-8101-482F-A883-8B55DAFF7C07}" type="datetimeFigureOut">
               <a:rPr lang="en-SG" smtClean="0"/>
-              <a:t>6/7/2018</a:t>
+              <a:t>12 Nov 2018</a:t>
             </a:fld>
             <a:endParaRPr lang="en-SG"/>
           </a:p>
@@ -465,7 +461,7 @@
           <a:p>
             <a:fld id="{03EC4E3E-8101-482F-A883-8B55DAFF7C07}" type="datetimeFigureOut">
               <a:rPr lang="en-SG" smtClean="0"/>
-              <a:t>6/7/2018</a:t>
+              <a:t>12 Nov 2018</a:t>
             </a:fld>
             <a:endParaRPr lang="en-SG"/>
           </a:p>
@@ -675,7 +671,7 @@
           <a:p>
             <a:fld id="{03EC4E3E-8101-482F-A883-8B55DAFF7C07}" type="datetimeFigureOut">
               <a:rPr lang="en-SG" smtClean="0"/>
-              <a:t>6/7/2018</a:t>
+              <a:t>12 Nov 2018</a:t>
             </a:fld>
             <a:endParaRPr lang="en-SG"/>
           </a:p>
@@ -875,7 +871,7 @@
           <a:p>
             <a:fld id="{03EC4E3E-8101-482F-A883-8B55DAFF7C07}" type="datetimeFigureOut">
               <a:rPr lang="en-SG" smtClean="0"/>
-              <a:t>6/7/2018</a:t>
+              <a:t>12 Nov 2018</a:t>
             </a:fld>
             <a:endParaRPr lang="en-SG"/>
           </a:p>
@@ -1151,7 +1147,7 @@
           <a:p>
             <a:fld id="{03EC4E3E-8101-482F-A883-8B55DAFF7C07}" type="datetimeFigureOut">
               <a:rPr lang="en-SG" smtClean="0"/>
-              <a:t>6/7/2018</a:t>
+              <a:t>12 Nov 2018</a:t>
             </a:fld>
             <a:endParaRPr lang="en-SG"/>
           </a:p>
@@ -1419,7 +1415,7 @@
           <a:p>
             <a:fld id="{03EC4E3E-8101-482F-A883-8B55DAFF7C07}" type="datetimeFigureOut">
               <a:rPr lang="en-SG" smtClean="0"/>
-              <a:t>6/7/2018</a:t>
+              <a:t>12 Nov 2018</a:t>
             </a:fld>
             <a:endParaRPr lang="en-SG"/>
           </a:p>
@@ -1834,7 +1830,7 @@
           <a:p>
             <a:fld id="{03EC4E3E-8101-482F-A883-8B55DAFF7C07}" type="datetimeFigureOut">
               <a:rPr lang="en-SG" smtClean="0"/>
-              <a:t>6/7/2018</a:t>
+              <a:t>12 Nov 2018</a:t>
             </a:fld>
             <a:endParaRPr lang="en-SG"/>
           </a:p>
@@ -1976,7 +1972,7 @@
           <a:p>
             <a:fld id="{03EC4E3E-8101-482F-A883-8B55DAFF7C07}" type="datetimeFigureOut">
               <a:rPr lang="en-SG" smtClean="0"/>
-              <a:t>6/7/2018</a:t>
+              <a:t>12 Nov 2018</a:t>
             </a:fld>
             <a:endParaRPr lang="en-SG"/>
           </a:p>
@@ -2089,7 +2085,7 @@
           <a:p>
             <a:fld id="{03EC4E3E-8101-482F-A883-8B55DAFF7C07}" type="datetimeFigureOut">
               <a:rPr lang="en-SG" smtClean="0"/>
-              <a:t>6/7/2018</a:t>
+              <a:t>12 Nov 2018</a:t>
             </a:fld>
             <a:endParaRPr lang="en-SG"/>
           </a:p>
@@ -2402,7 +2398,7 @@
           <a:p>
             <a:fld id="{03EC4E3E-8101-482F-A883-8B55DAFF7C07}" type="datetimeFigureOut">
               <a:rPr lang="en-SG" smtClean="0"/>
-              <a:t>6/7/2018</a:t>
+              <a:t>12 Nov 2018</a:t>
             </a:fld>
             <a:endParaRPr lang="en-SG"/>
           </a:p>
@@ -2691,7 +2687,7 @@
           <a:p>
             <a:fld id="{03EC4E3E-8101-482F-A883-8B55DAFF7C07}" type="datetimeFigureOut">
               <a:rPr lang="en-SG" smtClean="0"/>
-              <a:t>6/7/2018</a:t>
+              <a:t>12 Nov 2018</a:t>
             </a:fld>
             <a:endParaRPr lang="en-SG"/>
           </a:p>
@@ -2934,7 +2930,7 @@
           <a:p>
             <a:fld id="{03EC4E3E-8101-482F-A883-8B55DAFF7C07}" type="datetimeFigureOut">
               <a:rPr lang="en-SG" smtClean="0"/>
-              <a:t>6/7/2018</a:t>
+              <a:t>12 Nov 2018</a:t>
             </a:fld>
             <a:endParaRPr lang="en-SG"/>
           </a:p>
@@ -3454,7 +3450,7 @@
           <p:nvPr>
             <p:extLst>
               <p:ext uri="{D42A27DB-BD31-4B8C-83A1-F6EECF244321}">
-                <p14:modId xmlns:p14="http://schemas.microsoft.com/office/powerpoint/2010/main" val="3571951523"/>
+                <p14:modId xmlns:p14="http://schemas.microsoft.com/office/powerpoint/2010/main" val="3373094239"/>
               </p:ext>
             </p:extLst>
           </p:nvPr>
@@ -3484,13 +3480,10 @@
                     <a:bodyPr/>
                     <a:lstStyle/>
                     <a:p>
+                      <a:pPr algn="ctr"/>
                       <a:r>
                         <a:rPr lang="en-SG" u="sng" dirty="0"/>
-                        <a:t>ab0:A</a:t>
-                      </a:r>
-                      <a:r>
-                        <a:rPr lang="en-SG" sz="1800" u="sng" dirty="0"/>
-                        <a:t>ddressBook</a:t>
+                        <a:t>ab0:StockList</a:t>
                       </a:r>
                       <a:endParaRPr lang="en-SG" sz="1600" u="sng" dirty="0"/>
                     </a:p>
@@ -3658,7 +3651,7 @@
           <p:nvPr>
             <p:extLst>
               <p:ext uri="{D42A27DB-BD31-4B8C-83A1-F6EECF244321}">
-                <p14:modId xmlns:p14="http://schemas.microsoft.com/office/powerpoint/2010/main" val="2341913009"/>
+                <p14:modId xmlns:p14="http://schemas.microsoft.com/office/powerpoint/2010/main" val="119942137"/>
               </p:ext>
             </p:extLst>
           </p:nvPr>
@@ -3688,13 +3681,10 @@
                     <a:bodyPr/>
                     <a:lstStyle/>
                     <a:p>
+                      <a:pPr algn="ctr"/>
                       <a:r>
                         <a:rPr lang="en-SG" u="sng" dirty="0"/>
-                        <a:t>ab1:A</a:t>
-                      </a:r>
-                      <a:r>
-                        <a:rPr lang="en-SG" sz="1800" u="sng" dirty="0"/>
-                        <a:t>ddressBook</a:t>
+                        <a:t>ab1:StockList</a:t>
                       </a:r>
                       <a:endParaRPr lang="en-SG" sz="1600" u="sng" dirty="0"/>
                     </a:p>
@@ -3726,7 +3716,7 @@
           <p:nvPr>
             <p:extLst>
               <p:ext uri="{D42A27DB-BD31-4B8C-83A1-F6EECF244321}">
-                <p14:modId xmlns:p14="http://schemas.microsoft.com/office/powerpoint/2010/main" val="2172716932"/>
+                <p14:modId xmlns:p14="http://schemas.microsoft.com/office/powerpoint/2010/main" val="2988845320"/>
               </p:ext>
             </p:extLst>
           </p:nvPr>
@@ -3756,13 +3746,10 @@
                     <a:bodyPr/>
                     <a:lstStyle/>
                     <a:p>
+                      <a:pPr algn="ctr"/>
                       <a:r>
-                        <a:rPr lang="en-SG" u="sng"/>
-                        <a:t>ab2:A</a:t>
-                      </a:r>
-                      <a:r>
-                        <a:rPr lang="en-SG" sz="1800" u="sng"/>
-                        <a:t>ddressBook</a:t>
+                        <a:rPr lang="en-SG" u="sng" dirty="0"/>
+                        <a:t>ab2:StockList</a:t>
                       </a:r>
                       <a:endParaRPr lang="en-SG" sz="1600" u="sng" dirty="0"/>
                     </a:p>
@@ -3794,7 +3781,7 @@
           <p:nvPr>
             <p:extLst>
               <p:ext uri="{D42A27DB-BD31-4B8C-83A1-F6EECF244321}">
-                <p14:modId xmlns:p14="http://schemas.microsoft.com/office/powerpoint/2010/main" val="4094059841"/>
+                <p14:modId xmlns:p14="http://schemas.microsoft.com/office/powerpoint/2010/main" val="3015314082"/>
               </p:ext>
             </p:extLst>
           </p:nvPr>
@@ -3824,13 +3811,10 @@
                     <a:bodyPr/>
                     <a:lstStyle/>
                     <a:p>
+                      <a:pPr algn="ctr"/>
                       <a:r>
                         <a:rPr lang="en-SG" u="sng" dirty="0"/>
-                        <a:t>ab1:A</a:t>
-                      </a:r>
-                      <a:r>
-                        <a:rPr lang="en-SG" sz="1800" u="sng" dirty="0"/>
-                        <a:t>ddressBook</a:t>
+                        <a:t>ab1:StockList</a:t>
                       </a:r>
                       <a:endParaRPr lang="en-SG" sz="1600" u="sng" dirty="0"/>
                     </a:p>
@@ -3862,7 +3846,7 @@
           <p:nvPr>
             <p:extLst>
               <p:ext uri="{D42A27DB-BD31-4B8C-83A1-F6EECF244321}">
-                <p14:modId xmlns:p14="http://schemas.microsoft.com/office/powerpoint/2010/main" val="3467820198"/>
+                <p14:modId xmlns:p14="http://schemas.microsoft.com/office/powerpoint/2010/main" val="2138328633"/>
               </p:ext>
             </p:extLst>
           </p:nvPr>
@@ -3892,13 +3876,10 @@
                     <a:bodyPr/>
                     <a:lstStyle/>
                     <a:p>
+                      <a:pPr algn="ctr"/>
                       <a:r>
                         <a:rPr lang="en-SG" u="sng" dirty="0"/>
-                        <a:t>ab0:A</a:t>
-                      </a:r>
-                      <a:r>
-                        <a:rPr lang="en-SG" sz="1800" u="sng" dirty="0"/>
-                        <a:t>ddressBook</a:t>
+                        <a:t>ab0:StockList</a:t>
                       </a:r>
                       <a:endParaRPr lang="en-SG" sz="1600" u="sng" dirty="0"/>
                     </a:p>

--- a/docs/diagrams/UndoRedoNewCommand2StateListDiagram.pptx
+++ b/docs/diagrams/UndoRedoNewCommand2StateListDiagram.pptx
@@ -112,10 +112,6 @@
 </p:presentation>
 </file>
 
-<file path=ppt/revisionInfo.xml><?xml version="1.0" encoding="utf-8"?>
-<p1510:revInfo xmlns:a="http://schemas.openxmlformats.org/drawingml/2006/main" xmlns:r="http://schemas.openxmlformats.org/officeDocument/2006/relationships" xmlns:p1510="http://schemas.microsoft.com/office/powerpoint/2015/10/main"/>
-</file>
-
 <file path=ppt/slideLayouts/slideLayout1.xml><?xml version="1.0" encoding="utf-8"?>
 <p:sldLayout xmlns:a="http://schemas.openxmlformats.org/drawingml/2006/main" xmlns:r="http://schemas.openxmlformats.org/officeDocument/2006/relationships" xmlns:p="http://schemas.openxmlformats.org/presentationml/2006/main" type="title" preserve="1">
   <p:cSld name="Title Slide">
@@ -265,7 +261,7 @@
           <a:p>
             <a:fld id="{03EC4E3E-8101-482F-A883-8B55DAFF7C07}" type="datetimeFigureOut">
               <a:rPr lang="en-SG" smtClean="0"/>
-              <a:t>6/7/2018</a:t>
+              <a:t>12/11/18</a:t>
             </a:fld>
             <a:endParaRPr lang="en-SG"/>
           </a:p>
@@ -465,7 +461,7 @@
           <a:p>
             <a:fld id="{03EC4E3E-8101-482F-A883-8B55DAFF7C07}" type="datetimeFigureOut">
               <a:rPr lang="en-SG" smtClean="0"/>
-              <a:t>6/7/2018</a:t>
+              <a:t>12/11/18</a:t>
             </a:fld>
             <a:endParaRPr lang="en-SG"/>
           </a:p>
@@ -675,7 +671,7 @@
           <a:p>
             <a:fld id="{03EC4E3E-8101-482F-A883-8B55DAFF7C07}" type="datetimeFigureOut">
               <a:rPr lang="en-SG" smtClean="0"/>
-              <a:t>6/7/2018</a:t>
+              <a:t>12/11/18</a:t>
             </a:fld>
             <a:endParaRPr lang="en-SG"/>
           </a:p>
@@ -875,7 +871,7 @@
           <a:p>
             <a:fld id="{03EC4E3E-8101-482F-A883-8B55DAFF7C07}" type="datetimeFigureOut">
               <a:rPr lang="en-SG" smtClean="0"/>
-              <a:t>6/7/2018</a:t>
+              <a:t>12/11/18</a:t>
             </a:fld>
             <a:endParaRPr lang="en-SG"/>
           </a:p>
@@ -1151,7 +1147,7 @@
           <a:p>
             <a:fld id="{03EC4E3E-8101-482F-A883-8B55DAFF7C07}" type="datetimeFigureOut">
               <a:rPr lang="en-SG" smtClean="0"/>
-              <a:t>6/7/2018</a:t>
+              <a:t>12/11/18</a:t>
             </a:fld>
             <a:endParaRPr lang="en-SG"/>
           </a:p>
@@ -1419,7 +1415,7 @@
           <a:p>
             <a:fld id="{03EC4E3E-8101-482F-A883-8B55DAFF7C07}" type="datetimeFigureOut">
               <a:rPr lang="en-SG" smtClean="0"/>
-              <a:t>6/7/2018</a:t>
+              <a:t>12/11/18</a:t>
             </a:fld>
             <a:endParaRPr lang="en-SG"/>
           </a:p>
@@ -1834,7 +1830,7 @@
           <a:p>
             <a:fld id="{03EC4E3E-8101-482F-A883-8B55DAFF7C07}" type="datetimeFigureOut">
               <a:rPr lang="en-SG" smtClean="0"/>
-              <a:t>6/7/2018</a:t>
+              <a:t>12/11/18</a:t>
             </a:fld>
             <a:endParaRPr lang="en-SG"/>
           </a:p>
@@ -1976,7 +1972,7 @@
           <a:p>
             <a:fld id="{03EC4E3E-8101-482F-A883-8B55DAFF7C07}" type="datetimeFigureOut">
               <a:rPr lang="en-SG" smtClean="0"/>
-              <a:t>6/7/2018</a:t>
+              <a:t>12/11/18</a:t>
             </a:fld>
             <a:endParaRPr lang="en-SG"/>
           </a:p>
@@ -2089,7 +2085,7 @@
           <a:p>
             <a:fld id="{03EC4E3E-8101-482F-A883-8B55DAFF7C07}" type="datetimeFigureOut">
               <a:rPr lang="en-SG" smtClean="0"/>
-              <a:t>6/7/2018</a:t>
+              <a:t>12/11/18</a:t>
             </a:fld>
             <a:endParaRPr lang="en-SG"/>
           </a:p>
@@ -2402,7 +2398,7 @@
           <a:p>
             <a:fld id="{03EC4E3E-8101-482F-A883-8B55DAFF7C07}" type="datetimeFigureOut">
               <a:rPr lang="en-SG" smtClean="0"/>
-              <a:t>6/7/2018</a:t>
+              <a:t>12/11/18</a:t>
             </a:fld>
             <a:endParaRPr lang="en-SG"/>
           </a:p>
@@ -2691,7 +2687,7 @@
           <a:p>
             <a:fld id="{03EC4E3E-8101-482F-A883-8B55DAFF7C07}" type="datetimeFigureOut">
               <a:rPr lang="en-SG" smtClean="0"/>
-              <a:t>6/7/2018</a:t>
+              <a:t>12/11/18</a:t>
             </a:fld>
             <a:endParaRPr lang="en-SG"/>
           </a:p>
@@ -2934,7 +2930,7 @@
           <a:p>
             <a:fld id="{03EC4E3E-8101-482F-A883-8B55DAFF7C07}" type="datetimeFigureOut">
               <a:rPr lang="en-SG" smtClean="0"/>
-              <a:t>6/7/2018</a:t>
+              <a:t>12/11/18</a:t>
             </a:fld>
             <a:endParaRPr lang="en-SG"/>
           </a:p>
@@ -3351,658 +3347,42 @@
           <a:chExt cx="0" cy="0"/>
         </a:xfrm>
       </p:grpSpPr>
-      <p:sp>
-        <p:nvSpPr>
-          <p:cNvPr id="50" name="Down Arrow 49"/>
-          <p:cNvSpPr/>
+      <p:pic>
+        <p:nvPicPr>
+          <p:cNvPr id="3" name="Picture 2">
+            <a:extLst>
+              <a:ext uri="{FF2B5EF4-FFF2-40B4-BE49-F238E27FC236}">
+                <a16:creationId xmlns:a16="http://schemas.microsoft.com/office/drawing/2014/main" id="{E8E82E07-7794-3447-BB6F-3064300474E7}"/>
+              </a:ext>
+            </a:extLst>
+          </p:cNvPr>
+          <p:cNvPicPr>
+            <a:picLocks noChangeAspect="1"/>
+          </p:cNvPicPr>
           <p:nvPr/>
-        </p:nvSpPr>
+        </p:nvPicPr>
+        <p:blipFill>
+          <a:blip r:embed="rId2">
+            <a:extLst>
+              <a:ext uri="{28A0092B-C50C-407E-A947-70E740481C1C}">
+                <a14:useLocalDpi xmlns:a14="http://schemas.microsoft.com/office/drawing/2010/main" val="0"/>
+              </a:ext>
+            </a:extLst>
+          </a:blip>
+          <a:stretch>
+            <a:fillRect/>
+          </a:stretch>
+        </p:blipFill>
         <p:spPr>
           <a:xfrm>
-            <a:off x="5129284" y="2264095"/>
-            <a:ext cx="1933431" cy="1383977"/>
-          </a:xfrm>
-          <a:prstGeom prst="downArrow">
-            <a:avLst/>
-          </a:prstGeom>
-        </p:spPr>
-        <p:style>
-          <a:lnRef idx="2">
-            <a:schemeClr val="accent1">
-              <a:shade val="50000"/>
-            </a:schemeClr>
-          </a:lnRef>
-          <a:fillRef idx="1">
-            <a:schemeClr val="accent1"/>
-          </a:fillRef>
-          <a:effectRef idx="0">
-            <a:schemeClr val="accent1"/>
-          </a:effectRef>
-          <a:fontRef idx="minor">
-            <a:schemeClr val="lt1"/>
-          </a:fontRef>
-        </p:style>
-        <p:txBody>
-          <a:bodyPr rtlCol="0" anchor="ctr"/>
-          <a:lstStyle/>
-          <a:p>
-            <a:pPr algn="ctr"/>
-            <a:r>
-              <a:rPr lang="en-SG" dirty="0"/>
-              <a:t>Add n/David… </a:t>
-            </a:r>
-            <a:endParaRPr lang="en-US" dirty="0"/>
-          </a:p>
-        </p:txBody>
-      </p:sp>
-      <p:sp>
-        <p:nvSpPr>
-          <p:cNvPr id="24" name="TextBox 23">
-            <a:extLst>
-              <a:ext uri="{FF2B5EF4-FFF2-40B4-BE49-F238E27FC236}">
-                <a16:creationId xmlns:a16="http://schemas.microsoft.com/office/drawing/2014/main" id="{3151A13B-9509-43FA-BFEB-1D9866A00B84}"/>
-              </a:ext>
-            </a:extLst>
-          </p:cNvPr>
-          <p:cNvSpPr txBox="1"/>
-          <p:nvPr/>
-        </p:nvSpPr>
-        <p:spPr>
-          <a:xfrm>
-            <a:off x="1836612" y="2726030"/>
-            <a:ext cx="3207000" cy="369332"/>
+            <a:off x="3139527" y="565890"/>
+            <a:ext cx="5912945" cy="5726220"/>
           </a:xfrm>
           <a:prstGeom prst="rect">
             <a:avLst/>
           </a:prstGeom>
-          <a:noFill/>
         </p:spPr>
-        <p:txBody>
-          <a:bodyPr wrap="square" rtlCol="0">
-            <a:spAutoFit/>
-          </a:bodyPr>
-          <a:lstStyle/>
-          <a:p>
-            <a:pPr algn="ctr"/>
-            <a:r>
-              <a:rPr lang="en-SG" dirty="0" err="1">
-                <a:latin typeface="Consolas" panose="020B0609020204030204" pitchFamily="49" charset="0"/>
-              </a:rPr>
-              <a:t>currentStatePointer</a:t>
-            </a:r>
-            <a:r>
-              <a:rPr lang="en-SG" dirty="0">
-                <a:latin typeface="Consolas" panose="020B0609020204030204" pitchFamily="49" charset="0"/>
-              </a:rPr>
-              <a:t> = 1</a:t>
-            </a:r>
-          </a:p>
-        </p:txBody>
-      </p:sp>
-      <p:graphicFrame>
-        <p:nvGraphicFramePr>
-          <p:cNvPr id="25" name="Table 24">
-            <a:extLst>
-              <a:ext uri="{FF2B5EF4-FFF2-40B4-BE49-F238E27FC236}">
-                <a16:creationId xmlns:a16="http://schemas.microsoft.com/office/drawing/2014/main" id="{F545FAB8-F1CE-4886-9BDE-E772BCB0A9C4}"/>
-              </a:ext>
-            </a:extLst>
-          </p:cNvPr>
-          <p:cNvGraphicFramePr>
-            <a:graphicFrameLocks noGrp="1"/>
-          </p:cNvGraphicFramePr>
-          <p:nvPr>
-            <p:extLst>
-              <p:ext uri="{D42A27DB-BD31-4B8C-83A1-F6EECF244321}">
-                <p14:modId xmlns:p14="http://schemas.microsoft.com/office/powerpoint/2010/main" val="3571951523"/>
-              </p:ext>
-            </p:extLst>
-          </p:nvPr>
-        </p:nvGraphicFramePr>
-        <p:xfrm>
-          <a:off x="473240" y="1476102"/>
-          <a:ext cx="1825824" cy="417888"/>
-        </p:xfrm>
-        <a:graphic>
-          <a:graphicData uri="http://schemas.openxmlformats.org/drawingml/2006/table">
-            <a:tbl>
-              <a:tblPr>
-                <a:tableStyleId>{638B1855-1B75-4FBE-930C-398BA8C253C6}</a:tableStyleId>
-              </a:tblPr>
-              <a:tblGrid>
-                <a:gridCol w="1825824">
-                  <a:extLst>
-                    <a:ext uri="{9D8B030D-6E8A-4147-A177-3AD203B41FA5}">
-                      <a16:colId xmlns:a16="http://schemas.microsoft.com/office/drawing/2014/main" val="4240773277"/>
-                    </a:ext>
-                  </a:extLst>
-                </a:gridCol>
-              </a:tblGrid>
-              <a:tr h="417888">
-                <a:tc>
-                  <a:txBody>
-                    <a:bodyPr/>
-                    <a:lstStyle/>
-                    <a:p>
-                      <a:r>
-                        <a:rPr lang="en-SG" u="sng" dirty="0"/>
-                        <a:t>ab0:A</a:t>
-                      </a:r>
-                      <a:r>
-                        <a:rPr lang="en-SG" sz="1800" u="sng" dirty="0"/>
-                        <a:t>ddressBook</a:t>
-                      </a:r>
-                      <a:endParaRPr lang="en-SG" sz="1600" u="sng" dirty="0"/>
-                    </a:p>
-                  </a:txBody>
-                  <a:tcPr/>
-                </a:tc>
-                <a:extLst>
-                  <a:ext uri="{0D108BD9-81ED-4DB2-BD59-A6C34878D82A}">
-                    <a16:rowId xmlns:a16="http://schemas.microsoft.com/office/drawing/2014/main" val="2194462629"/>
-                  </a:ext>
-                </a:extLst>
-              </a:tr>
-            </a:tbl>
-          </a:graphicData>
-        </a:graphic>
-      </p:graphicFrame>
-      <p:sp>
-        <p:nvSpPr>
-          <p:cNvPr id="29" name="Rectangle 28"/>
-          <p:cNvSpPr/>
-          <p:nvPr/>
-        </p:nvSpPr>
-        <p:spPr>
-          <a:xfrm>
-            <a:off x="364797" y="1375953"/>
-            <a:ext cx="11364686" cy="618187"/>
-          </a:xfrm>
-          <a:prstGeom prst="rect">
-            <a:avLst/>
-          </a:prstGeom>
-          <a:noFill/>
-          <a:ln>
-            <a:solidFill>
-              <a:schemeClr val="tx1"/>
-            </a:solidFill>
-          </a:ln>
-        </p:spPr>
-        <p:style>
-          <a:lnRef idx="2">
-            <a:schemeClr val="accent1">
-              <a:shade val="50000"/>
-            </a:schemeClr>
-          </a:lnRef>
-          <a:fillRef idx="1">
-            <a:schemeClr val="accent1"/>
-          </a:fillRef>
-          <a:effectRef idx="0">
-            <a:schemeClr val="accent1"/>
-          </a:effectRef>
-          <a:fontRef idx="minor">
-            <a:schemeClr val="lt1"/>
-          </a:fontRef>
-        </p:style>
-        <p:txBody>
-          <a:bodyPr rtlCol="0" anchor="ctr"/>
-          <a:lstStyle/>
-          <a:p>
-            <a:pPr algn="ctr"/>
-            <a:endParaRPr lang="en-US"/>
-          </a:p>
-        </p:txBody>
-      </p:sp>
-      <p:sp>
-        <p:nvSpPr>
-          <p:cNvPr id="30" name="TextBox 29">
-            <a:extLst>
-              <a:ext uri="{FF2B5EF4-FFF2-40B4-BE49-F238E27FC236}">
-                <a16:creationId xmlns:a16="http://schemas.microsoft.com/office/drawing/2014/main" id="{3151A13B-9509-43FA-BFEB-1D9866A00B84}"/>
-              </a:ext>
-            </a:extLst>
-          </p:cNvPr>
-          <p:cNvSpPr txBox="1"/>
-          <p:nvPr/>
-        </p:nvSpPr>
-        <p:spPr>
-          <a:xfrm>
-            <a:off x="3894137" y="5123174"/>
-            <a:ext cx="3207000" cy="369332"/>
-          </a:xfrm>
-          <a:prstGeom prst="rect">
-            <a:avLst/>
-          </a:prstGeom>
-          <a:noFill/>
-        </p:spPr>
-        <p:txBody>
-          <a:bodyPr wrap="square" rtlCol="0">
-            <a:spAutoFit/>
-          </a:bodyPr>
-          <a:lstStyle/>
-          <a:p>
-            <a:pPr algn="ctr"/>
-            <a:r>
-              <a:rPr lang="en-SG" dirty="0" err="1">
-                <a:latin typeface="Consolas" panose="020B0609020204030204" pitchFamily="49" charset="0"/>
-              </a:rPr>
-              <a:t>currentStatePointer</a:t>
-            </a:r>
-            <a:r>
-              <a:rPr lang="en-SG" dirty="0">
-                <a:latin typeface="Consolas" panose="020B0609020204030204" pitchFamily="49" charset="0"/>
-              </a:rPr>
-              <a:t> = 2</a:t>
-            </a:r>
-          </a:p>
-        </p:txBody>
-      </p:sp>
-      <p:sp>
-        <p:nvSpPr>
-          <p:cNvPr id="33" name="Rectangle 32"/>
-          <p:cNvSpPr/>
-          <p:nvPr/>
-        </p:nvSpPr>
-        <p:spPr>
-          <a:xfrm>
-            <a:off x="387404" y="3838574"/>
-            <a:ext cx="11364686" cy="593918"/>
-          </a:xfrm>
-          <a:prstGeom prst="rect">
-            <a:avLst/>
-          </a:prstGeom>
-          <a:noFill/>
-          <a:ln>
-            <a:solidFill>
-              <a:schemeClr val="tx1"/>
-            </a:solidFill>
-          </a:ln>
-        </p:spPr>
-        <p:style>
-          <a:lnRef idx="2">
-            <a:schemeClr val="accent1">
-              <a:shade val="50000"/>
-            </a:schemeClr>
-          </a:lnRef>
-          <a:fillRef idx="1">
-            <a:schemeClr val="accent1"/>
-          </a:fillRef>
-          <a:effectRef idx="0">
-            <a:schemeClr val="accent1"/>
-          </a:effectRef>
-          <a:fontRef idx="minor">
-            <a:schemeClr val="lt1"/>
-          </a:fontRef>
-        </p:style>
-        <p:txBody>
-          <a:bodyPr rtlCol="0" anchor="ctr"/>
-          <a:lstStyle/>
-          <a:p>
-            <a:pPr algn="ctr"/>
-            <a:endParaRPr lang="en-US"/>
-          </a:p>
-        </p:txBody>
-      </p:sp>
-      <p:graphicFrame>
-        <p:nvGraphicFramePr>
-          <p:cNvPr id="15" name="Table 14">
-            <a:extLst>
-              <a:ext uri="{FF2B5EF4-FFF2-40B4-BE49-F238E27FC236}">
-                <a16:creationId xmlns:a16="http://schemas.microsoft.com/office/drawing/2014/main" id="{F545FAB8-F1CE-4886-9BDE-E772BCB0A9C4}"/>
-              </a:ext>
-            </a:extLst>
-          </p:cNvPr>
-          <p:cNvGraphicFramePr>
-            <a:graphicFrameLocks noGrp="1"/>
-          </p:cNvGraphicFramePr>
-          <p:nvPr>
-            <p:extLst>
-              <p:ext uri="{D42A27DB-BD31-4B8C-83A1-F6EECF244321}">
-                <p14:modId xmlns:p14="http://schemas.microsoft.com/office/powerpoint/2010/main" val="2341913009"/>
-              </p:ext>
-            </p:extLst>
-          </p:nvPr>
-        </p:nvGraphicFramePr>
-        <p:xfrm>
-          <a:off x="2491232" y="1476102"/>
-          <a:ext cx="1825824" cy="417888"/>
-        </p:xfrm>
-        <a:graphic>
-          <a:graphicData uri="http://schemas.openxmlformats.org/drawingml/2006/table">
-            <a:tbl>
-              <a:tblPr>
-                <a:tableStyleId>{638B1855-1B75-4FBE-930C-398BA8C253C6}</a:tableStyleId>
-              </a:tblPr>
-              <a:tblGrid>
-                <a:gridCol w="1825824">
-                  <a:extLst>
-                    <a:ext uri="{9D8B030D-6E8A-4147-A177-3AD203B41FA5}">
-                      <a16:colId xmlns:a16="http://schemas.microsoft.com/office/drawing/2014/main" val="4240773277"/>
-                    </a:ext>
-                  </a:extLst>
-                </a:gridCol>
-              </a:tblGrid>
-              <a:tr h="417888">
-                <a:tc>
-                  <a:txBody>
-                    <a:bodyPr/>
-                    <a:lstStyle/>
-                    <a:p>
-                      <a:r>
-                        <a:rPr lang="en-SG" u="sng" dirty="0"/>
-                        <a:t>ab1:A</a:t>
-                      </a:r>
-                      <a:r>
-                        <a:rPr lang="en-SG" sz="1800" u="sng" dirty="0"/>
-                        <a:t>ddressBook</a:t>
-                      </a:r>
-                      <a:endParaRPr lang="en-SG" sz="1600" u="sng" dirty="0"/>
-                    </a:p>
-                  </a:txBody>
-                  <a:tcPr/>
-                </a:tc>
-                <a:extLst>
-                  <a:ext uri="{0D108BD9-81ED-4DB2-BD59-A6C34878D82A}">
-                    <a16:rowId xmlns:a16="http://schemas.microsoft.com/office/drawing/2014/main" val="2194462629"/>
-                  </a:ext>
-                </a:extLst>
-              </a:tr>
-            </a:tbl>
-          </a:graphicData>
-        </a:graphic>
-      </p:graphicFrame>
-      <p:graphicFrame>
-        <p:nvGraphicFramePr>
-          <p:cNvPr id="16" name="Table 15">
-            <a:extLst>
-              <a:ext uri="{FF2B5EF4-FFF2-40B4-BE49-F238E27FC236}">
-                <a16:creationId xmlns:a16="http://schemas.microsoft.com/office/drawing/2014/main" id="{F545FAB8-F1CE-4886-9BDE-E772BCB0A9C4}"/>
-              </a:ext>
-            </a:extLst>
-          </p:cNvPr>
-          <p:cNvGraphicFramePr>
-            <a:graphicFrameLocks noGrp="1"/>
-          </p:cNvGraphicFramePr>
-          <p:nvPr>
-            <p:extLst>
-              <p:ext uri="{D42A27DB-BD31-4B8C-83A1-F6EECF244321}">
-                <p14:modId xmlns:p14="http://schemas.microsoft.com/office/powerpoint/2010/main" val="2172716932"/>
-              </p:ext>
-            </p:extLst>
-          </p:nvPr>
-        </p:nvGraphicFramePr>
-        <p:xfrm>
-          <a:off x="4509224" y="3926589"/>
-          <a:ext cx="1825824" cy="417888"/>
-        </p:xfrm>
-        <a:graphic>
-          <a:graphicData uri="http://schemas.openxmlformats.org/drawingml/2006/table">
-            <a:tbl>
-              <a:tblPr>
-                <a:tableStyleId>{638B1855-1B75-4FBE-930C-398BA8C253C6}</a:tableStyleId>
-              </a:tblPr>
-              <a:tblGrid>
-                <a:gridCol w="1825824">
-                  <a:extLst>
-                    <a:ext uri="{9D8B030D-6E8A-4147-A177-3AD203B41FA5}">
-                      <a16:colId xmlns:a16="http://schemas.microsoft.com/office/drawing/2014/main" val="4240773277"/>
-                    </a:ext>
-                  </a:extLst>
-                </a:gridCol>
-              </a:tblGrid>
-              <a:tr h="417888">
-                <a:tc>
-                  <a:txBody>
-                    <a:bodyPr/>
-                    <a:lstStyle/>
-                    <a:p>
-                      <a:r>
-                        <a:rPr lang="en-SG" u="sng"/>
-                        <a:t>ab2:A</a:t>
-                      </a:r>
-                      <a:r>
-                        <a:rPr lang="en-SG" sz="1800" u="sng"/>
-                        <a:t>ddressBook</a:t>
-                      </a:r>
-                      <a:endParaRPr lang="en-SG" sz="1600" u="sng" dirty="0"/>
-                    </a:p>
-                  </a:txBody>
-                  <a:tcPr/>
-                </a:tc>
-                <a:extLst>
-                  <a:ext uri="{0D108BD9-81ED-4DB2-BD59-A6C34878D82A}">
-                    <a16:rowId xmlns:a16="http://schemas.microsoft.com/office/drawing/2014/main" val="2194462629"/>
-                  </a:ext>
-                </a:extLst>
-              </a:tr>
-            </a:tbl>
-          </a:graphicData>
-        </a:graphic>
-      </p:graphicFrame>
-      <p:graphicFrame>
-        <p:nvGraphicFramePr>
-          <p:cNvPr id="17" name="Table 16">
-            <a:extLst>
-              <a:ext uri="{FF2B5EF4-FFF2-40B4-BE49-F238E27FC236}">
-                <a16:creationId xmlns:a16="http://schemas.microsoft.com/office/drawing/2014/main" id="{F545FAB8-F1CE-4886-9BDE-E772BCB0A9C4}"/>
-              </a:ext>
-            </a:extLst>
-          </p:cNvPr>
-          <p:cNvGraphicFramePr>
-            <a:graphicFrameLocks noGrp="1"/>
-          </p:cNvGraphicFramePr>
-          <p:nvPr>
-            <p:extLst>
-              <p:ext uri="{D42A27DB-BD31-4B8C-83A1-F6EECF244321}">
-                <p14:modId xmlns:p14="http://schemas.microsoft.com/office/powerpoint/2010/main" val="4094059841"/>
-              </p:ext>
-            </p:extLst>
-          </p:nvPr>
-        </p:nvGraphicFramePr>
-        <p:xfrm>
-          <a:off x="2491232" y="3908450"/>
-          <a:ext cx="1825824" cy="417888"/>
-        </p:xfrm>
-        <a:graphic>
-          <a:graphicData uri="http://schemas.openxmlformats.org/drawingml/2006/table">
-            <a:tbl>
-              <a:tblPr>
-                <a:tableStyleId>{638B1855-1B75-4FBE-930C-398BA8C253C6}</a:tableStyleId>
-              </a:tblPr>
-              <a:tblGrid>
-                <a:gridCol w="1825824">
-                  <a:extLst>
-                    <a:ext uri="{9D8B030D-6E8A-4147-A177-3AD203B41FA5}">
-                      <a16:colId xmlns:a16="http://schemas.microsoft.com/office/drawing/2014/main" val="4240773277"/>
-                    </a:ext>
-                  </a:extLst>
-                </a:gridCol>
-              </a:tblGrid>
-              <a:tr h="417888">
-                <a:tc>
-                  <a:txBody>
-                    <a:bodyPr/>
-                    <a:lstStyle/>
-                    <a:p>
-                      <a:r>
-                        <a:rPr lang="en-SG" u="sng" dirty="0"/>
-                        <a:t>ab1:A</a:t>
-                      </a:r>
-                      <a:r>
-                        <a:rPr lang="en-SG" sz="1800" u="sng" dirty="0"/>
-                        <a:t>ddressBook</a:t>
-                      </a:r>
-                      <a:endParaRPr lang="en-SG" sz="1600" u="sng" dirty="0"/>
-                    </a:p>
-                  </a:txBody>
-                  <a:tcPr/>
-                </a:tc>
-                <a:extLst>
-                  <a:ext uri="{0D108BD9-81ED-4DB2-BD59-A6C34878D82A}">
-                    <a16:rowId xmlns:a16="http://schemas.microsoft.com/office/drawing/2014/main" val="2194462629"/>
-                  </a:ext>
-                </a:extLst>
-              </a:tr>
-            </a:tbl>
-          </a:graphicData>
-        </a:graphic>
-      </p:graphicFrame>
-      <p:graphicFrame>
-        <p:nvGraphicFramePr>
-          <p:cNvPr id="18" name="Table 17">
-            <a:extLst>
-              <a:ext uri="{FF2B5EF4-FFF2-40B4-BE49-F238E27FC236}">
-                <a16:creationId xmlns:a16="http://schemas.microsoft.com/office/drawing/2014/main" id="{F545FAB8-F1CE-4886-9BDE-E772BCB0A9C4}"/>
-              </a:ext>
-            </a:extLst>
-          </p:cNvPr>
-          <p:cNvGraphicFramePr>
-            <a:graphicFrameLocks noGrp="1"/>
-          </p:cNvGraphicFramePr>
-          <p:nvPr>
-            <p:extLst>
-              <p:ext uri="{D42A27DB-BD31-4B8C-83A1-F6EECF244321}">
-                <p14:modId xmlns:p14="http://schemas.microsoft.com/office/powerpoint/2010/main" val="3467820198"/>
-              </p:ext>
-            </p:extLst>
-          </p:nvPr>
-        </p:nvGraphicFramePr>
-        <p:xfrm>
-          <a:off x="473240" y="3908450"/>
-          <a:ext cx="1825824" cy="417888"/>
-        </p:xfrm>
-        <a:graphic>
-          <a:graphicData uri="http://schemas.openxmlformats.org/drawingml/2006/table">
-            <a:tbl>
-              <a:tblPr>
-                <a:tableStyleId>{638B1855-1B75-4FBE-930C-398BA8C253C6}</a:tableStyleId>
-              </a:tblPr>
-              <a:tblGrid>
-                <a:gridCol w="1825824">
-                  <a:extLst>
-                    <a:ext uri="{9D8B030D-6E8A-4147-A177-3AD203B41FA5}">
-                      <a16:colId xmlns:a16="http://schemas.microsoft.com/office/drawing/2014/main" val="4240773277"/>
-                    </a:ext>
-                  </a:extLst>
-                </a:gridCol>
-              </a:tblGrid>
-              <a:tr h="417888">
-                <a:tc>
-                  <a:txBody>
-                    <a:bodyPr/>
-                    <a:lstStyle/>
-                    <a:p>
-                      <a:r>
-                        <a:rPr lang="en-SG" u="sng" dirty="0"/>
-                        <a:t>ab0:A</a:t>
-                      </a:r>
-                      <a:r>
-                        <a:rPr lang="en-SG" sz="1800" u="sng" dirty="0"/>
-                        <a:t>ddressBook</a:t>
-                      </a:r>
-                      <a:endParaRPr lang="en-SG" sz="1600" u="sng" dirty="0"/>
-                    </a:p>
-                  </a:txBody>
-                  <a:tcPr/>
-                </a:tc>
-                <a:extLst>
-                  <a:ext uri="{0D108BD9-81ED-4DB2-BD59-A6C34878D82A}">
-                    <a16:rowId xmlns:a16="http://schemas.microsoft.com/office/drawing/2014/main" val="2194462629"/>
-                  </a:ext>
-                </a:extLst>
-              </a:tr>
-            </a:tbl>
-          </a:graphicData>
-        </a:graphic>
-      </p:graphicFrame>
-      <p:cxnSp>
-        <p:nvCxnSpPr>
-          <p:cNvPr id="14" name="Straight Arrow Connector 13">
-            <a:extLst>
-              <a:ext uri="{FF2B5EF4-FFF2-40B4-BE49-F238E27FC236}">
-                <a16:creationId xmlns:a16="http://schemas.microsoft.com/office/drawing/2014/main" id="{DE6F144C-EC66-46E7-97DC-BB839A1578F5}"/>
-              </a:ext>
-            </a:extLst>
-          </p:cNvPr>
-          <p:cNvCxnSpPr>
-            <a:cxnSpLocks/>
-          </p:cNvCxnSpPr>
-          <p:nvPr/>
-        </p:nvCxnSpPr>
-        <p:spPr>
-          <a:xfrm flipV="1">
-            <a:off x="3380763" y="2019157"/>
-            <a:ext cx="0" cy="706873"/>
-          </a:xfrm>
-          <a:prstGeom prst="straightConnector1">
-            <a:avLst/>
-          </a:prstGeom>
-          <a:ln>
-            <a:solidFill>
-              <a:srgbClr val="C00000"/>
-            </a:solidFill>
-            <a:tailEnd type="triangle"/>
-          </a:ln>
-        </p:spPr>
-        <p:style>
-          <a:lnRef idx="1">
-            <a:schemeClr val="accent1"/>
-          </a:lnRef>
-          <a:fillRef idx="0">
-            <a:schemeClr val="accent1"/>
-          </a:fillRef>
-          <a:effectRef idx="0">
-            <a:schemeClr val="accent1"/>
-          </a:effectRef>
-          <a:fontRef idx="minor">
-            <a:schemeClr val="tx1"/>
-          </a:fontRef>
-        </p:style>
-      </p:cxnSp>
-      <p:cxnSp>
-        <p:nvCxnSpPr>
-          <p:cNvPr id="19" name="Straight Arrow Connector 18">
-            <a:extLst>
-              <a:ext uri="{FF2B5EF4-FFF2-40B4-BE49-F238E27FC236}">
-                <a16:creationId xmlns:a16="http://schemas.microsoft.com/office/drawing/2014/main" id="{8B2AD13C-14D7-4ED9-AAC9-B4BBD707577B}"/>
-              </a:ext>
-            </a:extLst>
-          </p:cNvPr>
-          <p:cNvCxnSpPr>
-            <a:cxnSpLocks/>
-          </p:cNvCxnSpPr>
-          <p:nvPr/>
-        </p:nvCxnSpPr>
-        <p:spPr>
-          <a:xfrm flipV="1">
-            <a:off x="5497637" y="4432492"/>
-            <a:ext cx="0" cy="706873"/>
-          </a:xfrm>
-          <a:prstGeom prst="straightConnector1">
-            <a:avLst/>
-          </a:prstGeom>
-          <a:ln>
-            <a:solidFill>
-              <a:srgbClr val="C00000"/>
-            </a:solidFill>
-            <a:tailEnd type="triangle"/>
-          </a:ln>
-        </p:spPr>
-        <p:style>
-          <a:lnRef idx="1">
-            <a:schemeClr val="accent1"/>
-          </a:lnRef>
-          <a:fillRef idx="0">
-            <a:schemeClr val="accent1"/>
-          </a:fillRef>
-          <a:effectRef idx="0">
-            <a:schemeClr val="accent1"/>
-          </a:effectRef>
-          <a:fontRef idx="minor">
-            <a:schemeClr val="tx1"/>
-          </a:fontRef>
-        </p:style>
-      </p:cxnSp>
+      </p:pic>
     </p:spTree>
     <p:extLst>
       <p:ext uri="{BB962C8B-B14F-4D97-AF65-F5344CB8AC3E}">
